--- a/R Workshop.pptx
+++ b/R Workshop.pptx
@@ -12,8 +12,8 @@
     <p:sldId id="481" r:id="rId6"/>
     <p:sldId id="483" r:id="rId7"/>
     <p:sldId id="484" r:id="rId8"/>
-    <p:sldId id="495" r:id="rId9"/>
-    <p:sldId id="489" r:id="rId10"/>
+    <p:sldId id="489" r:id="rId9"/>
+    <p:sldId id="495" r:id="rId10"/>
     <p:sldId id="492" r:id="rId11"/>
     <p:sldId id="490" r:id="rId12"/>
     <p:sldId id="500" r:id="rId13"/>
@@ -29,8 +29,6 @@
     <p:sldId id="499" r:id="rId23"/>
     <p:sldId id="494" r:id="rId24"/>
     <p:sldId id="501" r:id="rId25"/>
-    <p:sldId id="502" r:id="rId26"/>
-    <p:sldId id="503" r:id="rId27"/>
   </p:sldIdLst>
   <p:sldSz cx="12192000" cy="6858000"/>
   <p:notesSz cx="6858000" cy="9144000"/>
@@ -140,7 +138,7 @@
 <file path=ppt/revisionInfo.xml><?xml version="1.0" encoding="utf-8"?>
 <p1510:revInfo xmlns:a="http://schemas.openxmlformats.org/drawingml/2006/main" xmlns:r="http://schemas.openxmlformats.org/officeDocument/2006/relationships" xmlns:p1510="http://schemas.microsoft.com/office/powerpoint/2015/10/main">
   <p1510:revLst>
-    <p1510:client id="{8FABE6F9-A2B0-48CB-80DD-84E79D55981F}" v="25" dt="2024-09-27T02:08:54.886"/>
+    <p1510:client id="{8FABE6F9-A2B0-48CB-80DD-84E79D55981F}" v="31" dt="2024-09-29T20:33:27.914"/>
   </p1510:revLst>
 </p1510:revInfo>
 </file>
@@ -826,8 +824,8 @@
   </pc:docChgLst>
   <pc:docChgLst>
     <pc:chgData name="Whitney Woelmer" userId="cc1e44da-7691-4c78-aceb-77bbb5a56163" providerId="ADAL" clId="{8FABE6F9-A2B0-48CB-80DD-84E79D55981F}"/>
-    <pc:docChg chg="undo redo custSel addSld modSld">
-      <pc:chgData name="Whitney Woelmer" userId="cc1e44da-7691-4c78-aceb-77bbb5a56163" providerId="ADAL" clId="{8FABE6F9-A2B0-48CB-80DD-84E79D55981F}" dt="2024-09-27T02:08:59.571" v="2614" actId="1076"/>
+    <pc:docChg chg="undo redo custSel addSld delSld modSld sldOrd">
+      <pc:chgData name="Whitney Woelmer" userId="cc1e44da-7691-4c78-aceb-77bbb5a56163" providerId="ADAL" clId="{8FABE6F9-A2B0-48CB-80DD-84E79D55981F}" dt="2024-09-29T20:36:15.258" v="3121" actId="47"/>
       <pc:docMkLst>
         <pc:docMk/>
       </pc:docMkLst>
@@ -869,6 +867,66 @@
             <ac:picMk id="1028" creationId="{62580917-4B08-DC23-9435-0A68CE01A233}"/>
           </ac:picMkLst>
         </pc:picChg>
+      </pc:sldChg>
+      <pc:sldChg chg="addSp modSp mod">
+        <pc:chgData name="Whitney Woelmer" userId="cc1e44da-7691-4c78-aceb-77bbb5a56163" providerId="ADAL" clId="{8FABE6F9-A2B0-48CB-80DD-84E79D55981F}" dt="2024-09-29T20:22:59.020" v="2618" actId="1582"/>
+        <pc:sldMkLst>
+          <pc:docMk/>
+          <pc:sldMk cId="803767791" sldId="484"/>
+        </pc:sldMkLst>
+        <pc:spChg chg="add mod">
+          <ac:chgData name="Whitney Woelmer" userId="cc1e44da-7691-4c78-aceb-77bbb5a56163" providerId="ADAL" clId="{8FABE6F9-A2B0-48CB-80DD-84E79D55981F}" dt="2024-09-29T20:22:59.020" v="2618" actId="1582"/>
+          <ac:spMkLst>
+            <pc:docMk/>
+            <pc:sldMk cId="803767791" sldId="484"/>
+            <ac:spMk id="7" creationId="{57088D70-15D4-D2F0-92D2-5F4675B884B6}"/>
+          </ac:spMkLst>
+        </pc:spChg>
+      </pc:sldChg>
+      <pc:sldChg chg="ord">
+        <pc:chgData name="Whitney Woelmer" userId="cc1e44da-7691-4c78-aceb-77bbb5a56163" providerId="ADAL" clId="{8FABE6F9-A2B0-48CB-80DD-84E79D55981F}" dt="2024-09-29T20:24:40.509" v="2627"/>
+        <pc:sldMkLst>
+          <pc:docMk/>
+          <pc:sldMk cId="1720701469" sldId="489"/>
+        </pc:sldMkLst>
+      </pc:sldChg>
+      <pc:sldChg chg="addSp modSp mod">
+        <pc:chgData name="Whitney Woelmer" userId="cc1e44da-7691-4c78-aceb-77bbb5a56163" providerId="ADAL" clId="{8FABE6F9-A2B0-48CB-80DD-84E79D55981F}" dt="2024-09-29T20:29:37.878" v="2966" actId="20577"/>
+        <pc:sldMkLst>
+          <pc:docMk/>
+          <pc:sldMk cId="109847312" sldId="490"/>
+        </pc:sldMkLst>
+        <pc:spChg chg="add mod">
+          <ac:chgData name="Whitney Woelmer" userId="cc1e44da-7691-4c78-aceb-77bbb5a56163" providerId="ADAL" clId="{8FABE6F9-A2B0-48CB-80DD-84E79D55981F}" dt="2024-09-29T20:29:37.878" v="2966" actId="20577"/>
+          <ac:spMkLst>
+            <pc:docMk/>
+            <pc:sldMk cId="109847312" sldId="490"/>
+            <ac:spMk id="3" creationId="{3E39AE31-D10B-8AF6-2409-C9471B8BA189}"/>
+          </ac:spMkLst>
+        </pc:spChg>
+        <pc:graphicFrameChg chg="mod modGraphic">
+          <ac:chgData name="Whitney Woelmer" userId="cc1e44da-7691-4c78-aceb-77bbb5a56163" providerId="ADAL" clId="{8FABE6F9-A2B0-48CB-80DD-84E79D55981F}" dt="2024-09-29T20:28:08.175" v="2819" actId="1076"/>
+          <ac:graphicFrameMkLst>
+            <pc:docMk/>
+            <pc:sldMk cId="109847312" sldId="490"/>
+            <ac:graphicFrameMk id="5" creationId="{416B9DC9-C957-02E9-25F6-1860FA1E030C}"/>
+          </ac:graphicFrameMkLst>
+        </pc:graphicFrameChg>
+      </pc:sldChg>
+      <pc:sldChg chg="modSp mod">
+        <pc:chgData name="Whitney Woelmer" userId="cc1e44da-7691-4c78-aceb-77bbb5a56163" providerId="ADAL" clId="{8FABE6F9-A2B0-48CB-80DD-84E79D55981F}" dt="2024-09-29T20:34:58.753" v="3120" actId="114"/>
+        <pc:sldMkLst>
+          <pc:docMk/>
+          <pc:sldMk cId="1024380196" sldId="492"/>
+        </pc:sldMkLst>
+        <pc:spChg chg="mod">
+          <ac:chgData name="Whitney Woelmer" userId="cc1e44da-7691-4c78-aceb-77bbb5a56163" providerId="ADAL" clId="{8FABE6F9-A2B0-48CB-80DD-84E79D55981F}" dt="2024-09-29T20:34:58.753" v="3120" actId="114"/>
+          <ac:spMkLst>
+            <pc:docMk/>
+            <pc:sldMk cId="1024380196" sldId="492"/>
+            <ac:spMk id="3" creationId="{86ADABE2-CBB0-3633-1CE8-1B8D2B7AFBCB}"/>
+          </ac:spMkLst>
+        </pc:spChg>
       </pc:sldChg>
       <pc:sldChg chg="modSp mod">
         <pc:chgData name="Whitney Woelmer" userId="cc1e44da-7691-4c78-aceb-77bbb5a56163" providerId="ADAL" clId="{8FABE6F9-A2B0-48CB-80DD-84E79D55981F}" dt="2024-09-27T01:49:40.222" v="2047" actId="20577"/>
@@ -900,6 +958,53 @@
           </ac:spMkLst>
         </pc:spChg>
       </pc:sldChg>
+      <pc:sldChg chg="modSp mod">
+        <pc:chgData name="Whitney Woelmer" userId="cc1e44da-7691-4c78-aceb-77bbb5a56163" providerId="ADAL" clId="{8FABE6F9-A2B0-48CB-80DD-84E79D55981F}" dt="2024-09-29T20:24:03.608" v="2625" actId="1076"/>
+        <pc:sldMkLst>
+          <pc:docMk/>
+          <pc:sldMk cId="1663465521" sldId="495"/>
+        </pc:sldMkLst>
+        <pc:spChg chg="mod">
+          <ac:chgData name="Whitney Woelmer" userId="cc1e44da-7691-4c78-aceb-77bbb5a56163" providerId="ADAL" clId="{8FABE6F9-A2B0-48CB-80DD-84E79D55981F}" dt="2024-09-29T20:23:45.720" v="2621" actId="14100"/>
+          <ac:spMkLst>
+            <pc:docMk/>
+            <pc:sldMk cId="1663465521" sldId="495"/>
+            <ac:spMk id="3" creationId="{E067DC2B-272B-03FB-A104-3EA0E40DFCA1}"/>
+          </ac:spMkLst>
+        </pc:spChg>
+        <pc:picChg chg="mod">
+          <ac:chgData name="Whitney Woelmer" userId="cc1e44da-7691-4c78-aceb-77bbb5a56163" providerId="ADAL" clId="{8FABE6F9-A2B0-48CB-80DD-84E79D55981F}" dt="2024-09-29T20:23:51.905" v="2623" actId="1076"/>
+          <ac:picMkLst>
+            <pc:docMk/>
+            <pc:sldMk cId="1663465521" sldId="495"/>
+            <ac:picMk id="5" creationId="{49AB8B98-8ED6-4866-A651-61651ECEA560}"/>
+          </ac:picMkLst>
+        </pc:picChg>
+        <pc:picChg chg="mod">
+          <ac:chgData name="Whitney Woelmer" userId="cc1e44da-7691-4c78-aceb-77bbb5a56163" providerId="ADAL" clId="{8FABE6F9-A2B0-48CB-80DD-84E79D55981F}" dt="2024-09-29T20:23:58.490" v="2624" actId="14100"/>
+          <ac:picMkLst>
+            <pc:docMk/>
+            <pc:sldMk cId="1663465521" sldId="495"/>
+            <ac:picMk id="7" creationId="{3CB2B347-2CC5-9DFF-D693-3CA70F2C267C}"/>
+          </ac:picMkLst>
+        </pc:picChg>
+        <pc:picChg chg="mod">
+          <ac:chgData name="Whitney Woelmer" userId="cc1e44da-7691-4c78-aceb-77bbb5a56163" providerId="ADAL" clId="{8FABE6F9-A2B0-48CB-80DD-84E79D55981F}" dt="2024-09-29T20:24:03.608" v="2625" actId="1076"/>
+          <ac:picMkLst>
+            <pc:docMk/>
+            <pc:sldMk cId="1663465521" sldId="495"/>
+            <ac:picMk id="9" creationId="{07872731-AE70-6F28-B14A-6C8C6A0FF059}"/>
+          </ac:picMkLst>
+        </pc:picChg>
+        <pc:picChg chg="mod">
+          <ac:chgData name="Whitney Woelmer" userId="cc1e44da-7691-4c78-aceb-77bbb5a56163" providerId="ADAL" clId="{8FABE6F9-A2B0-48CB-80DD-84E79D55981F}" dt="2024-09-29T20:23:51.905" v="2623" actId="1076"/>
+          <ac:picMkLst>
+            <pc:docMk/>
+            <pc:sldMk cId="1663465521" sldId="495"/>
+            <ac:picMk id="10" creationId="{651B39DA-15F9-15DC-7BB6-5B174D1A387E}"/>
+          </ac:picMkLst>
+        </pc:picChg>
+      </pc:sldChg>
       <pc:sldChg chg="new">
         <pc:chgData name="Whitney Woelmer" userId="cc1e44da-7691-4c78-aceb-77bbb5a56163" providerId="ADAL" clId="{8FABE6F9-A2B0-48CB-80DD-84E79D55981F}" dt="2024-09-23T03:59:37.053" v="0" actId="680"/>
         <pc:sldMkLst>
@@ -907,8 +1012,8 @@
           <pc:sldMk cId="990989293" sldId="501"/>
         </pc:sldMkLst>
       </pc:sldChg>
-      <pc:sldChg chg="addSp delSp modSp new mod">
-        <pc:chgData name="Whitney Woelmer" userId="cc1e44da-7691-4c78-aceb-77bbb5a56163" providerId="ADAL" clId="{8FABE6F9-A2B0-48CB-80DD-84E79D55981F}" dt="2024-09-23T05:19:50.288" v="938" actId="1076"/>
+      <pc:sldChg chg="addSp delSp modSp new del mod">
+        <pc:chgData name="Whitney Woelmer" userId="cc1e44da-7691-4c78-aceb-77bbb5a56163" providerId="ADAL" clId="{8FABE6F9-A2B0-48CB-80DD-84E79D55981F}" dt="2024-09-29T20:36:15.258" v="3121" actId="47"/>
         <pc:sldMkLst>
           <pc:docMk/>
           <pc:sldMk cId="536992810" sldId="502"/>
@@ -962,8 +1067,8 @@
           </ac:picMkLst>
         </pc:picChg>
       </pc:sldChg>
-      <pc:sldChg chg="addSp modSp new mod">
-        <pc:chgData name="Whitney Woelmer" userId="cc1e44da-7691-4c78-aceb-77bbb5a56163" providerId="ADAL" clId="{8FABE6F9-A2B0-48CB-80DD-84E79D55981F}" dt="2024-09-23T05:10:35.198" v="902"/>
+      <pc:sldChg chg="addSp modSp new del mod">
+        <pc:chgData name="Whitney Woelmer" userId="cc1e44da-7691-4c78-aceb-77bbb5a56163" providerId="ADAL" clId="{8FABE6F9-A2B0-48CB-80DD-84E79D55981F}" dt="2024-09-29T20:36:15.258" v="3121" actId="47"/>
         <pc:sldMkLst>
           <pc:docMk/>
           <pc:sldMk cId="4119451772" sldId="503"/>
@@ -1103,25 +1208,33 @@
         </pc:picChg>
       </pc:sldChg>
       <pc:sldChg chg="addSp delSp modSp add mod">
-        <pc:chgData name="Whitney Woelmer" userId="cc1e44da-7691-4c78-aceb-77bbb5a56163" providerId="ADAL" clId="{8FABE6F9-A2B0-48CB-80DD-84E79D55981F}" dt="2024-09-26T22:34:29.809" v="2011" actId="14100"/>
+        <pc:chgData name="Whitney Woelmer" userId="cc1e44da-7691-4c78-aceb-77bbb5a56163" providerId="ADAL" clId="{8FABE6F9-A2B0-48CB-80DD-84E79D55981F}" dt="2024-09-29T20:34:22.346" v="2989" actId="1076"/>
         <pc:sldMkLst>
           <pc:docMk/>
           <pc:sldMk cId="3558655378" sldId="507"/>
         </pc:sldMkLst>
         <pc:spChg chg="mod">
-          <ac:chgData name="Whitney Woelmer" userId="cc1e44da-7691-4c78-aceb-77bbb5a56163" providerId="ADAL" clId="{8FABE6F9-A2B0-48CB-80DD-84E79D55981F}" dt="2024-09-26T22:33:52.509" v="1999" actId="12"/>
+          <ac:chgData name="Whitney Woelmer" userId="cc1e44da-7691-4c78-aceb-77bbb5a56163" providerId="ADAL" clId="{8FABE6F9-A2B0-48CB-80DD-84E79D55981F}" dt="2024-09-29T20:34:09.937" v="2987" actId="20577"/>
           <ac:spMkLst>
             <pc:docMk/>
             <pc:sldMk cId="3558655378" sldId="507"/>
             <ac:spMk id="3" creationId="{ADD52DDA-D8D7-BB79-2907-D8BA4EBD39FC}"/>
           </ac:spMkLst>
         </pc:spChg>
-        <pc:spChg chg="mod">
-          <ac:chgData name="Whitney Woelmer" userId="cc1e44da-7691-4c78-aceb-77bbb5a56163" providerId="ADAL" clId="{8FABE6F9-A2B0-48CB-80DD-84E79D55981F}" dt="2024-09-26T22:33:48.906" v="1996" actId="1076"/>
+        <pc:spChg chg="del mod">
+          <ac:chgData name="Whitney Woelmer" userId="cc1e44da-7691-4c78-aceb-77bbb5a56163" providerId="ADAL" clId="{8FABE6F9-A2B0-48CB-80DD-84E79D55981F}" dt="2024-09-29T20:34:08.146" v="2985" actId="478"/>
           <ac:spMkLst>
             <pc:docMk/>
             <pc:sldMk cId="3558655378" sldId="507"/>
             <ac:spMk id="4" creationId="{4F876128-D8F7-D2A4-41E4-4449EBB2FA1E}"/>
+          </ac:spMkLst>
+        </pc:spChg>
+        <pc:spChg chg="add mod">
+          <ac:chgData name="Whitney Woelmer" userId="cc1e44da-7691-4c78-aceb-77bbb5a56163" providerId="ADAL" clId="{8FABE6F9-A2B0-48CB-80DD-84E79D55981F}" dt="2024-09-29T20:34:15.939" v="2988" actId="1076"/>
+          <ac:spMkLst>
+            <pc:docMk/>
+            <pc:sldMk cId="3558655378" sldId="507"/>
+            <ac:spMk id="5" creationId="{17DFFF50-6EE4-F47B-5E55-B13543D5539E}"/>
           </ac:spMkLst>
         </pc:spChg>
         <pc:spChg chg="add del mod">
@@ -1165,7 +1278,7 @@
           </ac:spMkLst>
         </pc:spChg>
         <pc:spChg chg="add mod">
-          <ac:chgData name="Whitney Woelmer" userId="cc1e44da-7691-4c78-aceb-77bbb5a56163" providerId="ADAL" clId="{8FABE6F9-A2B0-48CB-80DD-84E79D55981F}" dt="2024-09-26T22:34:29.809" v="2011" actId="14100"/>
+          <ac:chgData name="Whitney Woelmer" userId="cc1e44da-7691-4c78-aceb-77bbb5a56163" providerId="ADAL" clId="{8FABE6F9-A2B0-48CB-80DD-84E79D55981F}" dt="2024-09-29T20:34:22.346" v="2989" actId="1076"/>
           <ac:spMkLst>
             <pc:docMk/>
             <pc:sldMk cId="3558655378" sldId="507"/>
@@ -1181,7 +1294,7 @@
           </ac:picMkLst>
         </pc:picChg>
         <pc:picChg chg="add mod">
-          <ac:chgData name="Whitney Woelmer" userId="cc1e44da-7691-4c78-aceb-77bbb5a56163" providerId="ADAL" clId="{8FABE6F9-A2B0-48CB-80DD-84E79D55981F}" dt="2024-09-26T22:33:54.898" v="2000" actId="1076"/>
+          <ac:chgData name="Whitney Woelmer" userId="cc1e44da-7691-4c78-aceb-77bbb5a56163" providerId="ADAL" clId="{8FABE6F9-A2B0-48CB-80DD-84E79D55981F}" dt="2024-09-29T20:34:15.939" v="2988" actId="1076"/>
           <ac:picMkLst>
             <pc:docMk/>
             <pc:sldMk cId="3558655378" sldId="507"/>
@@ -1189,7 +1302,7 @@
           </ac:picMkLst>
         </pc:picChg>
         <pc:picChg chg="add mod">
-          <ac:chgData name="Whitney Woelmer" userId="cc1e44da-7691-4c78-aceb-77bbb5a56163" providerId="ADAL" clId="{8FABE6F9-A2B0-48CB-80DD-84E79D55981F}" dt="2024-09-26T22:34:19.739" v="2002" actId="1076"/>
+          <ac:chgData name="Whitney Woelmer" userId="cc1e44da-7691-4c78-aceb-77bbb5a56163" providerId="ADAL" clId="{8FABE6F9-A2B0-48CB-80DD-84E79D55981F}" dt="2024-09-29T20:34:22.346" v="2989" actId="1076"/>
           <ac:picMkLst>
             <pc:docMk/>
             <pc:sldMk cId="3558655378" sldId="507"/>
@@ -1390,7 +1503,7 @@
           <a:p>
             <a:fld id="{34DAE4EE-2DF8-45FB-8651-0A1C8E883882}" type="datetimeFigureOut">
               <a:rPr lang="en-NZ" smtClean="0"/>
-              <a:t>27/09/2024</a:t>
+              <a:t>30/09/2024</a:t>
             </a:fld>
             <a:endParaRPr lang="en-NZ"/>
           </a:p>
@@ -1590,7 +1703,7 @@
           <a:p>
             <a:fld id="{34DAE4EE-2DF8-45FB-8651-0A1C8E883882}" type="datetimeFigureOut">
               <a:rPr lang="en-NZ" smtClean="0"/>
-              <a:t>27/09/2024</a:t>
+              <a:t>30/09/2024</a:t>
             </a:fld>
             <a:endParaRPr lang="en-NZ"/>
           </a:p>
@@ -1800,7 +1913,7 @@
           <a:p>
             <a:fld id="{34DAE4EE-2DF8-45FB-8651-0A1C8E883882}" type="datetimeFigureOut">
               <a:rPr lang="en-NZ" smtClean="0"/>
-              <a:t>27/09/2024</a:t>
+              <a:t>30/09/2024</a:t>
             </a:fld>
             <a:endParaRPr lang="en-NZ"/>
           </a:p>
@@ -2000,7 +2113,7 @@
           <a:p>
             <a:fld id="{34DAE4EE-2DF8-45FB-8651-0A1C8E883882}" type="datetimeFigureOut">
               <a:rPr lang="en-NZ" smtClean="0"/>
-              <a:t>27/09/2024</a:t>
+              <a:t>30/09/2024</a:t>
             </a:fld>
             <a:endParaRPr lang="en-NZ"/>
           </a:p>
@@ -2276,7 +2389,7 @@
           <a:p>
             <a:fld id="{34DAE4EE-2DF8-45FB-8651-0A1C8E883882}" type="datetimeFigureOut">
               <a:rPr lang="en-NZ" smtClean="0"/>
-              <a:t>27/09/2024</a:t>
+              <a:t>30/09/2024</a:t>
             </a:fld>
             <a:endParaRPr lang="en-NZ"/>
           </a:p>
@@ -2544,7 +2657,7 @@
           <a:p>
             <a:fld id="{34DAE4EE-2DF8-45FB-8651-0A1C8E883882}" type="datetimeFigureOut">
               <a:rPr lang="en-NZ" smtClean="0"/>
-              <a:t>27/09/2024</a:t>
+              <a:t>30/09/2024</a:t>
             </a:fld>
             <a:endParaRPr lang="en-NZ"/>
           </a:p>
@@ -2959,7 +3072,7 @@
           <a:p>
             <a:fld id="{34DAE4EE-2DF8-45FB-8651-0A1C8E883882}" type="datetimeFigureOut">
               <a:rPr lang="en-NZ" smtClean="0"/>
-              <a:t>27/09/2024</a:t>
+              <a:t>30/09/2024</a:t>
             </a:fld>
             <a:endParaRPr lang="en-NZ"/>
           </a:p>
@@ -3101,7 +3214,7 @@
           <a:p>
             <a:fld id="{34DAE4EE-2DF8-45FB-8651-0A1C8E883882}" type="datetimeFigureOut">
               <a:rPr lang="en-NZ" smtClean="0"/>
-              <a:t>27/09/2024</a:t>
+              <a:t>30/09/2024</a:t>
             </a:fld>
             <a:endParaRPr lang="en-NZ"/>
           </a:p>
@@ -3214,7 +3327,7 @@
           <a:p>
             <a:fld id="{34DAE4EE-2DF8-45FB-8651-0A1C8E883882}" type="datetimeFigureOut">
               <a:rPr lang="en-NZ" smtClean="0"/>
-              <a:t>27/09/2024</a:t>
+              <a:t>30/09/2024</a:t>
             </a:fld>
             <a:endParaRPr lang="en-NZ"/>
           </a:p>
@@ -3527,7 +3640,7 @@
           <a:p>
             <a:fld id="{34DAE4EE-2DF8-45FB-8651-0A1C8E883882}" type="datetimeFigureOut">
               <a:rPr lang="en-NZ" smtClean="0"/>
-              <a:t>27/09/2024</a:t>
+              <a:t>30/09/2024</a:t>
             </a:fld>
             <a:endParaRPr lang="en-NZ"/>
           </a:p>
@@ -3816,7 +3929,7 @@
           <a:p>
             <a:fld id="{34DAE4EE-2DF8-45FB-8651-0A1C8E883882}" type="datetimeFigureOut">
               <a:rPr lang="en-NZ" smtClean="0"/>
-              <a:t>27/09/2024</a:t>
+              <a:t>30/09/2024</a:t>
             </a:fld>
             <a:endParaRPr lang="en-NZ"/>
           </a:p>
@@ -4059,7 +4172,7 @@
           <a:p>
             <a:fld id="{34DAE4EE-2DF8-45FB-8651-0A1C8E883882}" type="datetimeFigureOut">
               <a:rPr lang="en-NZ" smtClean="0"/>
-              <a:t>27/09/2024</a:t>
+              <a:t>30/09/2024</a:t>
             </a:fld>
             <a:endParaRPr lang="en-NZ"/>
           </a:p>
@@ -4721,6 +4834,7 @@
             </a:r>
           </a:p>
           <a:p>
+            <a:pPr lvl="1"/>
             <a:r>
               <a:rPr lang="en-NZ" dirty="0"/>
               <a:t>Use relative directories</a:t>
@@ -4741,8 +4855,33 @@
           <a:p>
             <a:r>
               <a:rPr lang="en-NZ" dirty="0"/>
-              <a:t>Re-run/test your code</a:t>
-            </a:r>
+              <a:t>Re-run/test your code every time you open R</a:t>
+            </a:r>
+          </a:p>
+          <a:p>
+            <a:pPr lvl="1"/>
+            <a:r>
+              <a:rPr lang="en-NZ" dirty="0"/>
+              <a:t>You should be able to close R, re-open R, and get back to where you were before</a:t>
+            </a:r>
+          </a:p>
+          <a:p>
+            <a:r>
+              <a:rPr lang="en-NZ" dirty="0"/>
+              <a:t>Double-check your output—R will usually give you something (</a:t>
+            </a:r>
+            <a:r>
+              <a:rPr lang="en-NZ" i="1" dirty="0"/>
+              <a:t>exactly</a:t>
+            </a:r>
+            <a:r>
+              <a:rPr lang="en-NZ" dirty="0"/>
+              <a:t> what you asked for), but did you tell it the right thing?</a:t>
+            </a:r>
+          </a:p>
+          <a:p>
+            <a:pPr lvl="1"/>
+            <a:endParaRPr lang="en-NZ" dirty="0"/>
           </a:p>
         </p:txBody>
       </p:sp>
@@ -4819,13 +4958,13 @@
           <p:nvPr>
             <p:extLst>
               <p:ext uri="{D42A27DB-BD31-4B8C-83A1-F6EECF244321}">
-                <p14:modId xmlns:p14="http://schemas.microsoft.com/office/powerpoint/2010/main" val="4190027158"/>
+                <p14:modId xmlns:p14="http://schemas.microsoft.com/office/powerpoint/2010/main" val="654291224"/>
               </p:ext>
             </p:extLst>
           </p:nvPr>
         </p:nvGraphicFramePr>
         <p:xfrm>
-          <a:off x="235390" y="2512966"/>
+          <a:off x="244534" y="1690688"/>
           <a:ext cx="11549204" cy="3754120"/>
         </p:xfrm>
         <a:graphic>
@@ -4904,7 +5043,7 @@
                     <a:p>
                       <a:r>
                         <a:rPr lang="en-NZ" dirty="0"/>
-                        <a:t>BAD</a:t>
+                        <a:t>BAD (less good…)</a:t>
                       </a:r>
                     </a:p>
                   </a:txBody>
@@ -4961,7 +5100,7 @@
                       </a:r>
                       <a:r>
                         <a:rPr lang="en-NZ" dirty="0"/>
-                        <a:t> &lt;- read.csv(‘./data/buoy_data.csv)</a:t>
+                        <a:t> &lt;- read.csv(‘./data/buoy_data.csv’)</a:t>
                       </a:r>
                     </a:p>
                     <a:p>
@@ -4992,7 +5131,7 @@
                       </a:r>
                       <a:r>
                         <a:rPr lang="en-NZ" dirty="0"/>
-                        <a:t> &lt;- read.csv(‘./data/ctd_data.csv)</a:t>
+                        <a:t> &lt;- read.csv(‘./data/ctd_data.csv’)</a:t>
                       </a:r>
                     </a:p>
                     <a:p>
@@ -5039,7 +5178,7 @@
                       </a:r>
                       <a:r>
                         <a:rPr lang="en-NZ" dirty="0"/>
-                        <a:t> &lt;- read.csv(‘./data/buoy_data.csv)</a:t>
+                        <a:t> &lt;- read.csv(‘./data/buoy_data.csv’)</a:t>
                       </a:r>
                     </a:p>
                     <a:p>
@@ -5070,7 +5209,7 @@
                       </a:r>
                       <a:r>
                         <a:rPr lang="en-NZ" dirty="0"/>
-                        <a:t> &lt;- read.csv(‘./data/ctd_data.csv)</a:t>
+                        <a:t> &lt;- read.csv(‘./data/ctd_data.csv’)</a:t>
                       </a:r>
                     </a:p>
                     <a:p>
@@ -5143,7 +5282,7 @@
                       </a:r>
                       <a:r>
                         <a:rPr lang="en-NZ" dirty="0"/>
-                        <a:t>&lt;- read.csv(‘./data/ctd_data.csv)</a:t>
+                        <a:t>&lt;- read.csv(‘./data/ctd_data.csv’)</a:t>
                       </a:r>
                     </a:p>
                     <a:p>
@@ -5190,7 +5329,7 @@
                       </a:r>
                       <a:r>
                         <a:rPr lang="en-NZ" dirty="0"/>
-                        <a:t>&lt;- read.csv(‘./data/ctd_data.csv)</a:t>
+                        <a:t>&lt;- read.csv(‘./data/ctd_data.csv’)</a:t>
                       </a:r>
                     </a:p>
                     <a:p>
@@ -5263,7 +5402,7 @@
                       </a:r>
                       <a:r>
                         <a:rPr lang="en-NZ" dirty="0"/>
-                        <a:t> &lt;- read.csv(‘./data/ctd_data.csv)</a:t>
+                        <a:t> &lt;- read.csv(‘./data/ctd_data.csv’)</a:t>
                       </a:r>
                     </a:p>
                     <a:p>
@@ -5310,7 +5449,7 @@
                       </a:r>
                       <a:r>
                         <a:rPr lang="en-NZ" dirty="0"/>
-                        <a:t>&lt;- read.csv(‘./data/ctd_data.csv)</a:t>
+                        <a:t>&lt;- read.csv(‘./data/ctd_data.csv’)</a:t>
                       </a:r>
                     </a:p>
                     <a:p>
@@ -5438,6 +5577,54 @@
           </a:graphicData>
         </a:graphic>
       </p:graphicFrame>
+      <p:sp>
+        <p:nvSpPr>
+          <p:cNvPr id="3" name="TextBox 2">
+            <a:extLst>
+              <a:ext uri="{FF2B5EF4-FFF2-40B4-BE49-F238E27FC236}">
+                <a16:creationId xmlns:a16="http://schemas.microsoft.com/office/drawing/2014/main" id="{3E39AE31-D10B-8AF6-2409-C9471B8BA189}"/>
+              </a:ext>
+            </a:extLst>
+          </p:cNvPr>
+          <p:cNvSpPr txBox="1"/>
+          <p:nvPr/>
+        </p:nvSpPr>
+        <p:spPr>
+          <a:xfrm>
+            <a:off x="7415784" y="5660136"/>
+            <a:ext cx="4123944" cy="646331"/>
+          </a:xfrm>
+          <a:prstGeom prst="rect">
+            <a:avLst/>
+          </a:prstGeom>
+          <a:noFill/>
+          <a:ln>
+            <a:solidFill>
+              <a:srgbClr val="C00000"/>
+            </a:solidFill>
+          </a:ln>
+        </p:spPr>
+        <p:txBody>
+          <a:bodyPr wrap="square" rtlCol="0">
+            <a:spAutoFit/>
+          </a:bodyPr>
+          <a:lstStyle/>
+          <a:p>
+            <a:r>
+              <a:rPr lang="en-NZ" dirty="0"/>
+              <a:t>What happens if we run </a:t>
+            </a:r>
+            <a:r>
+              <a:rPr lang="en-NZ" dirty="0" err="1"/>
+              <a:t>thermo.depth</a:t>
+            </a:r>
+            <a:r>
+              <a:rPr lang="en-NZ" dirty="0"/>
+              <a:t> without assigning anything to it?</a:t>
+            </a:r>
+          </a:p>
+        </p:txBody>
+      </p:sp>
     </p:spTree>
     <p:extLst>
       <p:ext uri="{BB962C8B-B14F-4D97-AF65-F5344CB8AC3E}">
@@ -6831,7 +7018,12 @@
             <p:ph idx="1"/>
           </p:nvPr>
         </p:nvSpPr>
-        <p:spPr/>
+        <p:spPr>
+          <a:xfrm>
+            <a:off x="838200" y="1661686"/>
+            <a:ext cx="10515600" cy="4351338"/>
+          </a:xfrm>
+        </p:spPr>
         <p:txBody>
           <a:bodyPr>
             <a:normAutofit/>
@@ -6849,6 +7041,18 @@
             <a:endParaRPr lang="en-NZ" dirty="0"/>
           </a:p>
           <a:p>
+            <a:r>
+              <a:rPr lang="en-NZ" dirty="0"/>
+              <a:t>Console = things you just need to check for now and don’t need to reproduce later</a:t>
+            </a:r>
+          </a:p>
+          <a:p>
+            <a:endParaRPr lang="en-NZ" dirty="0"/>
+          </a:p>
+          <a:p>
+            <a:endParaRPr lang="en-NZ" dirty="0"/>
+          </a:p>
+          <a:p>
             <a:endParaRPr lang="en-NZ" dirty="0"/>
           </a:p>
           <a:p>
@@ -6856,229 +7060,6 @@
               <a:buNone/>
             </a:pPr>
             <a:endParaRPr lang="en-NZ" dirty="0"/>
-          </a:p>
-          <a:p>
-            <a:r>
-              <a:rPr lang="en-NZ" dirty="0"/>
-              <a:t>Console = things you just need to check for now and don’t need to reproduce later</a:t>
-            </a:r>
-          </a:p>
-          <a:p>
-            <a:endParaRPr lang="en-NZ" dirty="0"/>
-          </a:p>
-          <a:p>
-            <a:endParaRPr lang="en-NZ" dirty="0"/>
-          </a:p>
-          <a:p>
-            <a:endParaRPr lang="en-NZ" dirty="0"/>
-          </a:p>
-          <a:p>
-            <a:pPr marL="0" indent="0">
-              <a:buNone/>
-            </a:pPr>
-            <a:endParaRPr lang="en-NZ" dirty="0"/>
-          </a:p>
-        </p:txBody>
-      </p:sp>
-      <p:sp>
-        <p:nvSpPr>
-          <p:cNvPr id="4" name="Content Placeholder 2">
-            <a:extLst>
-              <a:ext uri="{FF2B5EF4-FFF2-40B4-BE49-F238E27FC236}">
-                <a16:creationId xmlns:a16="http://schemas.microsoft.com/office/drawing/2014/main" id="{4F876128-D8F7-D2A4-41E4-4449EBB2FA1E}"/>
-              </a:ext>
-            </a:extLst>
-          </p:cNvPr>
-          <p:cNvSpPr txBox="1">
-            <a:spLocks/>
-          </p:cNvSpPr>
-          <p:nvPr/>
-        </p:nvSpPr>
-        <p:spPr>
-          <a:xfrm>
-            <a:off x="1309766" y="2375304"/>
-            <a:ext cx="10515600" cy="755744"/>
-          </a:xfrm>
-          <a:prstGeom prst="rect">
-            <a:avLst/>
-          </a:prstGeom>
-        </p:spPr>
-        <p:txBody>
-          <a:bodyPr vert="horz" lIns="91440" tIns="45720" rIns="91440" bIns="45720" rtlCol="0">
-            <a:normAutofit fontScale="92500" lnSpcReduction="10000"/>
-          </a:bodyPr>
-          <a:lstStyle>
-            <a:lvl1pPr marL="228600" indent="-228600" algn="l" defTabSz="914400" rtl="0" eaLnBrk="1" latinLnBrk="0" hangingPunct="1">
-              <a:lnSpc>
-                <a:spcPct val="90000"/>
-              </a:lnSpc>
-              <a:spcBef>
-                <a:spcPts val="1000"/>
-              </a:spcBef>
-              <a:buFont typeface="Arial" panose="020B0604020202020204" pitchFamily="34" charset="0"/>
-              <a:buChar char="•"/>
-              <a:defRPr sz="2800" kern="1200">
-                <a:solidFill>
-                  <a:schemeClr val="tx1"/>
-                </a:solidFill>
-                <a:latin typeface="+mn-lt"/>
-                <a:ea typeface="+mn-ea"/>
-                <a:cs typeface="+mn-cs"/>
-              </a:defRPr>
-            </a:lvl1pPr>
-            <a:lvl2pPr marL="685800" indent="-228600" algn="l" defTabSz="914400" rtl="0" eaLnBrk="1" latinLnBrk="0" hangingPunct="1">
-              <a:lnSpc>
-                <a:spcPct val="90000"/>
-              </a:lnSpc>
-              <a:spcBef>
-                <a:spcPts val="500"/>
-              </a:spcBef>
-              <a:buFont typeface="Arial" panose="020B0604020202020204" pitchFamily="34" charset="0"/>
-              <a:buChar char="•"/>
-              <a:defRPr sz="2400" kern="1200">
-                <a:solidFill>
-                  <a:schemeClr val="tx1"/>
-                </a:solidFill>
-                <a:latin typeface="+mn-lt"/>
-                <a:ea typeface="+mn-ea"/>
-                <a:cs typeface="+mn-cs"/>
-              </a:defRPr>
-            </a:lvl2pPr>
-            <a:lvl3pPr marL="1143000" indent="-228600" algn="l" defTabSz="914400" rtl="0" eaLnBrk="1" latinLnBrk="0" hangingPunct="1">
-              <a:lnSpc>
-                <a:spcPct val="90000"/>
-              </a:lnSpc>
-              <a:spcBef>
-                <a:spcPts val="500"/>
-              </a:spcBef>
-              <a:buFont typeface="Arial" panose="020B0604020202020204" pitchFamily="34" charset="0"/>
-              <a:buChar char="•"/>
-              <a:defRPr sz="2000" kern="1200">
-                <a:solidFill>
-                  <a:schemeClr val="tx1"/>
-                </a:solidFill>
-                <a:latin typeface="+mn-lt"/>
-                <a:ea typeface="+mn-ea"/>
-                <a:cs typeface="+mn-cs"/>
-              </a:defRPr>
-            </a:lvl3pPr>
-            <a:lvl4pPr marL="1600200" indent="-228600" algn="l" defTabSz="914400" rtl="0" eaLnBrk="1" latinLnBrk="0" hangingPunct="1">
-              <a:lnSpc>
-                <a:spcPct val="90000"/>
-              </a:lnSpc>
-              <a:spcBef>
-                <a:spcPts val="500"/>
-              </a:spcBef>
-              <a:buFont typeface="Arial" panose="020B0604020202020204" pitchFamily="34" charset="0"/>
-              <a:buChar char="•"/>
-              <a:defRPr sz="1800" kern="1200">
-                <a:solidFill>
-                  <a:schemeClr val="tx1"/>
-                </a:solidFill>
-                <a:latin typeface="+mn-lt"/>
-                <a:ea typeface="+mn-ea"/>
-                <a:cs typeface="+mn-cs"/>
-              </a:defRPr>
-            </a:lvl4pPr>
-            <a:lvl5pPr marL="2057400" indent="-228600" algn="l" defTabSz="914400" rtl="0" eaLnBrk="1" latinLnBrk="0" hangingPunct="1">
-              <a:lnSpc>
-                <a:spcPct val="90000"/>
-              </a:lnSpc>
-              <a:spcBef>
-                <a:spcPts val="500"/>
-              </a:spcBef>
-              <a:buFont typeface="Arial" panose="020B0604020202020204" pitchFamily="34" charset="0"/>
-              <a:buChar char="•"/>
-              <a:defRPr sz="1800" kern="1200">
-                <a:solidFill>
-                  <a:schemeClr val="tx1"/>
-                </a:solidFill>
-                <a:latin typeface="+mn-lt"/>
-                <a:ea typeface="+mn-ea"/>
-                <a:cs typeface="+mn-cs"/>
-              </a:defRPr>
-            </a:lvl5pPr>
-            <a:lvl6pPr marL="2514600" indent="-228600" algn="l" defTabSz="914400" rtl="0" eaLnBrk="1" latinLnBrk="0" hangingPunct="1">
-              <a:lnSpc>
-                <a:spcPct val="90000"/>
-              </a:lnSpc>
-              <a:spcBef>
-                <a:spcPts val="500"/>
-              </a:spcBef>
-              <a:buFont typeface="Arial" panose="020B0604020202020204" pitchFamily="34" charset="0"/>
-              <a:buChar char="•"/>
-              <a:defRPr sz="1800" kern="1200">
-                <a:solidFill>
-                  <a:schemeClr val="tx1"/>
-                </a:solidFill>
-                <a:latin typeface="+mn-lt"/>
-                <a:ea typeface="+mn-ea"/>
-                <a:cs typeface="+mn-cs"/>
-              </a:defRPr>
-            </a:lvl6pPr>
-            <a:lvl7pPr marL="2971800" indent="-228600" algn="l" defTabSz="914400" rtl="0" eaLnBrk="1" latinLnBrk="0" hangingPunct="1">
-              <a:lnSpc>
-                <a:spcPct val="90000"/>
-              </a:lnSpc>
-              <a:spcBef>
-                <a:spcPts val="500"/>
-              </a:spcBef>
-              <a:buFont typeface="Arial" panose="020B0604020202020204" pitchFamily="34" charset="0"/>
-              <a:buChar char="•"/>
-              <a:defRPr sz="1800" kern="1200">
-                <a:solidFill>
-                  <a:schemeClr val="tx1"/>
-                </a:solidFill>
-                <a:latin typeface="+mn-lt"/>
-                <a:ea typeface="+mn-ea"/>
-                <a:cs typeface="+mn-cs"/>
-              </a:defRPr>
-            </a:lvl7pPr>
-            <a:lvl8pPr marL="3429000" indent="-228600" algn="l" defTabSz="914400" rtl="0" eaLnBrk="1" latinLnBrk="0" hangingPunct="1">
-              <a:lnSpc>
-                <a:spcPct val="90000"/>
-              </a:lnSpc>
-              <a:spcBef>
-                <a:spcPts val="500"/>
-              </a:spcBef>
-              <a:buFont typeface="Arial" panose="020B0604020202020204" pitchFamily="34" charset="0"/>
-              <a:buChar char="•"/>
-              <a:defRPr sz="1800" kern="1200">
-                <a:solidFill>
-                  <a:schemeClr val="tx1"/>
-                </a:solidFill>
-                <a:latin typeface="+mn-lt"/>
-                <a:ea typeface="+mn-ea"/>
-                <a:cs typeface="+mn-cs"/>
-              </a:defRPr>
-            </a:lvl8pPr>
-            <a:lvl9pPr marL="3886200" indent="-228600" algn="l" defTabSz="914400" rtl="0" eaLnBrk="1" latinLnBrk="0" hangingPunct="1">
-              <a:lnSpc>
-                <a:spcPct val="90000"/>
-              </a:lnSpc>
-              <a:spcBef>
-                <a:spcPts val="500"/>
-              </a:spcBef>
-              <a:buFont typeface="Arial" panose="020B0604020202020204" pitchFamily="34" charset="0"/>
-              <a:buChar char="•"/>
-              <a:defRPr sz="1800" kern="1200">
-                <a:solidFill>
-                  <a:schemeClr val="tx1"/>
-                </a:solidFill>
-                <a:latin typeface="+mn-lt"/>
-                <a:ea typeface="+mn-ea"/>
-                <a:cs typeface="+mn-cs"/>
-              </a:defRPr>
-            </a:lvl9pPr>
-          </a:lstStyle>
-          <a:p>
-            <a:pPr marL="0" indent="0">
-              <a:buNone/>
-            </a:pPr>
-            <a:r>
-              <a:rPr lang="en-NZ" dirty="0"/>
-              <a:t>But coding is an iterative process, so when you’re coding it might look more like this</a:t>
-            </a:r>
           </a:p>
         </p:txBody>
       </p:sp>
@@ -7104,7 +7085,7 @@
         </p:blipFill>
         <p:spPr>
           <a:xfrm>
-            <a:off x="1135015" y="4283856"/>
+            <a:off x="1088473" y="4041666"/>
             <a:ext cx="5432551" cy="2028044"/>
           </a:xfrm>
           <a:prstGeom prst="rect">
@@ -7134,7 +7115,7 @@
         </p:blipFill>
         <p:spPr>
           <a:xfrm>
-            <a:off x="7156002" y="4378055"/>
+            <a:off x="7012382" y="4054805"/>
             <a:ext cx="4591691" cy="1933845"/>
           </a:xfrm>
           <a:prstGeom prst="rect">
@@ -7156,7 +7137,7 @@
         </p:nvSpPr>
         <p:spPr>
           <a:xfrm>
-            <a:off x="7306056" y="3931920"/>
+            <a:off x="7012382" y="3576363"/>
             <a:ext cx="2029968" cy="369332"/>
           </a:xfrm>
           <a:prstGeom prst="rect">
@@ -7171,8 +7152,43 @@
           <a:lstStyle/>
           <a:p>
             <a:r>
-              <a:rPr lang="en-NZ" dirty="0"/>
+              <a:rPr lang="en-NZ" u="sng" dirty="0"/>
               <a:t>Console</a:t>
+            </a:r>
+          </a:p>
+        </p:txBody>
+      </p:sp>
+      <p:sp>
+        <p:nvSpPr>
+          <p:cNvPr id="5" name="TextBox 4">
+            <a:extLst>
+              <a:ext uri="{FF2B5EF4-FFF2-40B4-BE49-F238E27FC236}">
+                <a16:creationId xmlns:a16="http://schemas.microsoft.com/office/drawing/2014/main" id="{17DFFF50-6EE4-F47B-5E55-B13543D5539E}"/>
+              </a:ext>
+            </a:extLst>
+          </p:cNvPr>
+          <p:cNvSpPr txBox="1"/>
+          <p:nvPr/>
+        </p:nvSpPr>
+        <p:spPr>
+          <a:xfrm>
+            <a:off x="1088473" y="3576363"/>
+            <a:ext cx="2029968" cy="369332"/>
+          </a:xfrm>
+          <a:prstGeom prst="rect">
+            <a:avLst/>
+          </a:prstGeom>
+          <a:noFill/>
+        </p:spPr>
+        <p:txBody>
+          <a:bodyPr wrap="square" rtlCol="0">
+            <a:spAutoFit/>
+          </a:bodyPr>
+          <a:lstStyle/>
+          <a:p>
+            <a:r>
+              <a:rPr lang="en-NZ" u="sng" dirty="0"/>
+              <a:t>Script</a:t>
             </a:r>
           </a:p>
         </p:txBody>
@@ -8988,366 +9004,6 @@
 </p:sld>
 </file>
 
-<file path=ppt/slides/slide25.xml><?xml version="1.0" encoding="utf-8"?>
-<p:sld xmlns:a="http://schemas.openxmlformats.org/drawingml/2006/main" xmlns:r="http://schemas.openxmlformats.org/officeDocument/2006/relationships" xmlns:p="http://schemas.openxmlformats.org/presentationml/2006/main">
-  <p:cSld>
-    <p:spTree>
-      <p:nvGrpSpPr>
-        <p:cNvPr id="1" name=""/>
-        <p:cNvGrpSpPr/>
-        <p:nvPr/>
-      </p:nvGrpSpPr>
-      <p:grpSpPr>
-        <a:xfrm>
-          <a:off x="0" y="0"/>
-          <a:ext cx="0" cy="0"/>
-          <a:chOff x="0" y="0"/>
-          <a:chExt cx="0" cy="0"/>
-        </a:xfrm>
-      </p:grpSpPr>
-      <p:sp>
-        <p:nvSpPr>
-          <p:cNvPr id="2" name="Title 1">
-            <a:extLst>
-              <a:ext uri="{FF2B5EF4-FFF2-40B4-BE49-F238E27FC236}">
-                <a16:creationId xmlns:a16="http://schemas.microsoft.com/office/drawing/2014/main" id="{BD1CE931-D91B-2F7D-FFC9-29EA77B99080}"/>
-              </a:ext>
-            </a:extLst>
-          </p:cNvPr>
-          <p:cNvSpPr>
-            <a:spLocks noGrp="1"/>
-          </p:cNvSpPr>
-          <p:nvPr>
-            <p:ph type="title"/>
-          </p:nvPr>
-        </p:nvSpPr>
-        <p:spPr/>
-        <p:txBody>
-          <a:bodyPr/>
-          <a:lstStyle/>
-          <a:p>
-            <a:endParaRPr lang="en-NZ"/>
-          </a:p>
-        </p:txBody>
-      </p:sp>
-      <p:sp>
-        <p:nvSpPr>
-          <p:cNvPr id="3" name="Content Placeholder 2">
-            <a:extLst>
-              <a:ext uri="{FF2B5EF4-FFF2-40B4-BE49-F238E27FC236}">
-                <a16:creationId xmlns:a16="http://schemas.microsoft.com/office/drawing/2014/main" id="{C6466EA7-D6FD-C3F8-199D-17B92F120720}"/>
-              </a:ext>
-            </a:extLst>
-          </p:cNvPr>
-          <p:cNvSpPr>
-            <a:spLocks noGrp="1"/>
-          </p:cNvSpPr>
-          <p:nvPr>
-            <p:ph idx="1"/>
-          </p:nvPr>
-        </p:nvSpPr>
-        <p:spPr/>
-        <p:txBody>
-          <a:bodyPr>
-            <a:normAutofit fontScale="92500" lnSpcReduction="20000"/>
-          </a:bodyPr>
-          <a:lstStyle/>
-          <a:p>
-            <a:pPr marL="514350" indent="-514350">
-              <a:buFont typeface="+mj-lt"/>
-              <a:buAutoNum type="arabicPeriod"/>
-            </a:pPr>
-            <a:r>
-              <a:rPr lang="en-NZ" dirty="0"/>
-              <a:t>Download Git: https://git-scm.com/download/win</a:t>
-            </a:r>
-          </a:p>
-          <a:p>
-            <a:pPr marL="514350" indent="-514350">
-              <a:buFont typeface="+mj-lt"/>
-              <a:buAutoNum type="arabicPeriod"/>
-            </a:pPr>
-            <a:r>
-              <a:rPr lang="en-NZ" dirty="0"/>
-              <a:t>Install Git. </a:t>
-            </a:r>
-          </a:p>
-          <a:p>
-            <a:pPr marL="971550" lvl="1" indent="-514350">
-              <a:buFont typeface="+mj-lt"/>
-              <a:buAutoNum type="arabicPeriod"/>
-            </a:pPr>
-            <a:r>
-              <a:rPr lang="en-NZ" dirty="0"/>
-              <a:t>**IMPORTANT** make sure that you ‘run as administrator’</a:t>
-            </a:r>
-          </a:p>
-          <a:p>
-            <a:pPr marL="971550" lvl="1" indent="-514350">
-              <a:buFont typeface="+mj-lt"/>
-              <a:buAutoNum type="arabicPeriod"/>
-            </a:pPr>
-            <a:r>
-              <a:rPr lang="en-NZ" dirty="0"/>
-              <a:t>If this is done properly, you should see a ‘Git’ folder in C:/Program Files/Git</a:t>
-            </a:r>
-          </a:p>
-          <a:p>
-            <a:pPr marL="514350" indent="-514350">
-              <a:buFont typeface="+mj-lt"/>
-              <a:buAutoNum type="arabicPeriod"/>
-            </a:pPr>
-            <a:r>
-              <a:rPr lang="en-NZ" dirty="0"/>
-              <a:t>Create a </a:t>
-            </a:r>
-            <a:r>
-              <a:rPr lang="en-NZ" dirty="0" err="1"/>
-              <a:t>Github</a:t>
-            </a:r>
-            <a:r>
-              <a:rPr lang="en-NZ" dirty="0"/>
-              <a:t> account online</a:t>
-            </a:r>
-          </a:p>
-          <a:p>
-            <a:pPr marL="514350" indent="-514350">
-              <a:buFont typeface="+mj-lt"/>
-              <a:buAutoNum type="arabicPeriod"/>
-            </a:pPr>
-            <a:r>
-              <a:rPr lang="en-NZ" dirty="0"/>
-              <a:t>Restart </a:t>
-            </a:r>
-            <a:r>
-              <a:rPr lang="en-NZ" dirty="0" err="1"/>
-              <a:t>Rstudio</a:t>
-            </a:r>
-            <a:r>
-              <a:rPr lang="en-NZ" dirty="0"/>
-              <a:t>, open Tools/Global Options/Git/SVN and navigate to the git.exe</a:t>
-            </a:r>
-          </a:p>
-          <a:p>
-            <a:pPr marL="971550" lvl="1" indent="-514350">
-              <a:buFont typeface="+mj-lt"/>
-              <a:buAutoNum type="arabicPeriod"/>
-            </a:pPr>
-            <a:r>
-              <a:rPr lang="en-NZ" dirty="0"/>
-              <a:t>**IMPORTANT** Do NOT navigate to the executable you                                        used to install Git—that is different</a:t>
-            </a:r>
-          </a:p>
-          <a:p>
-            <a:pPr marL="514350" indent="-514350">
-              <a:buFont typeface="+mj-lt"/>
-              <a:buAutoNum type="arabicPeriod"/>
-            </a:pPr>
-            <a:r>
-              <a:rPr lang="en-NZ" dirty="0"/>
-              <a:t>Restart </a:t>
-            </a:r>
-            <a:r>
-              <a:rPr lang="en-NZ" dirty="0" err="1"/>
-              <a:t>Rstudio</a:t>
-            </a:r>
-            <a:r>
-              <a:rPr lang="en-NZ" dirty="0"/>
-              <a:t> again—you should now see a ‘Git’ tab in the upper right</a:t>
-            </a:r>
-          </a:p>
-          <a:p>
-            <a:pPr marL="514350" indent="-514350">
-              <a:buFont typeface="+mj-lt"/>
-              <a:buAutoNum type="arabicPeriod"/>
-            </a:pPr>
-            <a:r>
-              <a:rPr lang="en-NZ" dirty="0"/>
-              <a:t>Set up your project access token</a:t>
-            </a:r>
-          </a:p>
-          <a:p>
-            <a:pPr marL="514350" indent="-514350">
-              <a:buFont typeface="+mj-lt"/>
-              <a:buAutoNum type="arabicPeriod"/>
-            </a:pPr>
-            <a:endParaRPr lang="en-NZ" dirty="0"/>
-          </a:p>
-          <a:p>
-            <a:pPr marL="971550" lvl="1" indent="-514350">
-              <a:buFont typeface="+mj-lt"/>
-              <a:buAutoNum type="arabicPeriod"/>
-            </a:pPr>
-            <a:endParaRPr lang="en-NZ" dirty="0"/>
-          </a:p>
-          <a:p>
-            <a:pPr marL="514350" indent="-514350">
-              <a:buFont typeface="+mj-lt"/>
-              <a:buAutoNum type="arabicPeriod"/>
-            </a:pPr>
-            <a:endParaRPr lang="en-NZ" dirty="0"/>
-          </a:p>
-        </p:txBody>
-      </p:sp>
-      <p:pic>
-        <p:nvPicPr>
-          <p:cNvPr id="9" name="Picture 8">
-            <a:extLst>
-              <a:ext uri="{FF2B5EF4-FFF2-40B4-BE49-F238E27FC236}">
-                <a16:creationId xmlns:a16="http://schemas.microsoft.com/office/drawing/2014/main" id="{660167E0-193C-5030-0783-8451EA065443}"/>
-              </a:ext>
-            </a:extLst>
-          </p:cNvPr>
-          <p:cNvPicPr>
-            <a:picLocks noChangeAspect="1"/>
-          </p:cNvPicPr>
-          <p:nvPr/>
-        </p:nvPicPr>
-        <p:blipFill>
-          <a:blip r:embed="rId2"/>
-          <a:stretch>
-            <a:fillRect/>
-          </a:stretch>
-        </p:blipFill>
-        <p:spPr>
-          <a:xfrm>
-            <a:off x="8752488" y="4234758"/>
-            <a:ext cx="2715051" cy="538329"/>
-          </a:xfrm>
-          <a:prstGeom prst="rect">
-            <a:avLst/>
-          </a:prstGeom>
-        </p:spPr>
-      </p:pic>
-    </p:spTree>
-    <p:extLst>
-      <p:ext uri="{BB962C8B-B14F-4D97-AF65-F5344CB8AC3E}">
-        <p14:creationId xmlns:p14="http://schemas.microsoft.com/office/powerpoint/2010/main" val="536992810"/>
-      </p:ext>
-    </p:extLst>
-  </p:cSld>
-  <p:clrMapOvr>
-    <a:masterClrMapping/>
-  </p:clrMapOvr>
-</p:sld>
-</file>
-
-<file path=ppt/slides/slide26.xml><?xml version="1.0" encoding="utf-8"?>
-<p:sld xmlns:a="http://schemas.openxmlformats.org/drawingml/2006/main" xmlns:r="http://schemas.openxmlformats.org/officeDocument/2006/relationships" xmlns:p="http://schemas.openxmlformats.org/presentationml/2006/main">
-  <p:cSld>
-    <p:spTree>
-      <p:nvGrpSpPr>
-        <p:cNvPr id="1" name=""/>
-        <p:cNvGrpSpPr/>
-        <p:nvPr/>
-      </p:nvGrpSpPr>
-      <p:grpSpPr>
-        <a:xfrm>
-          <a:off x="0" y="0"/>
-          <a:ext cx="0" cy="0"/>
-          <a:chOff x="0" y="0"/>
-          <a:chExt cx="0" cy="0"/>
-        </a:xfrm>
-      </p:grpSpPr>
-      <p:sp>
-        <p:nvSpPr>
-          <p:cNvPr id="2" name="Title 1">
-            <a:extLst>
-              <a:ext uri="{FF2B5EF4-FFF2-40B4-BE49-F238E27FC236}">
-                <a16:creationId xmlns:a16="http://schemas.microsoft.com/office/drawing/2014/main" id="{19752A9D-2472-9F0D-5635-D6030D2BBDE2}"/>
-              </a:ext>
-            </a:extLst>
-          </p:cNvPr>
-          <p:cNvSpPr>
-            <a:spLocks noGrp="1"/>
-          </p:cNvSpPr>
-          <p:nvPr>
-            <p:ph type="title"/>
-          </p:nvPr>
-        </p:nvSpPr>
-        <p:spPr/>
-        <p:txBody>
-          <a:bodyPr/>
-          <a:lstStyle/>
-          <a:p>
-            <a:r>
-              <a:rPr lang="en-NZ" dirty="0"/>
-              <a:t>Git resources</a:t>
-            </a:r>
-          </a:p>
-        </p:txBody>
-      </p:sp>
-      <p:sp>
-        <p:nvSpPr>
-          <p:cNvPr id="3" name="Content Placeholder 2">
-            <a:extLst>
-              <a:ext uri="{FF2B5EF4-FFF2-40B4-BE49-F238E27FC236}">
-                <a16:creationId xmlns:a16="http://schemas.microsoft.com/office/drawing/2014/main" id="{36A6164B-E18A-8649-CD0F-DD8D006A2A8E}"/>
-              </a:ext>
-            </a:extLst>
-          </p:cNvPr>
-          <p:cNvSpPr>
-            <a:spLocks noGrp="1"/>
-          </p:cNvSpPr>
-          <p:nvPr>
-            <p:ph idx="1"/>
-          </p:nvPr>
-        </p:nvSpPr>
-        <p:spPr/>
-        <p:txBody>
-          <a:bodyPr/>
-          <a:lstStyle/>
-          <a:p>
-            <a:r>
-              <a:rPr lang="en-NZ" dirty="0"/>
-              <a:t>https://sites.northwestern.edu/researchcomputing/resources/using-git-and-github-with-r-rstudio/</a:t>
-            </a:r>
-          </a:p>
-        </p:txBody>
-      </p:sp>
-      <p:pic>
-        <p:nvPicPr>
-          <p:cNvPr id="11" name="Picture 10">
-            <a:extLst>
-              <a:ext uri="{FF2B5EF4-FFF2-40B4-BE49-F238E27FC236}">
-                <a16:creationId xmlns:a16="http://schemas.microsoft.com/office/drawing/2014/main" id="{179731D5-D940-E212-0CA4-5B306457BF45}"/>
-              </a:ext>
-            </a:extLst>
-          </p:cNvPr>
-          <p:cNvPicPr>
-            <a:picLocks noChangeAspect="1"/>
-          </p:cNvPicPr>
-          <p:nvPr/>
-        </p:nvPicPr>
-        <p:blipFill>
-          <a:blip r:embed="rId2"/>
-          <a:stretch>
-            <a:fillRect/>
-          </a:stretch>
-        </p:blipFill>
-        <p:spPr>
-          <a:xfrm>
-            <a:off x="2603241" y="5686140"/>
-            <a:ext cx="3809882" cy="981645"/>
-          </a:xfrm>
-          <a:prstGeom prst="rect">
-            <a:avLst/>
-          </a:prstGeom>
-        </p:spPr>
-      </p:pic>
-    </p:spTree>
-    <p:extLst>
-      <p:ext uri="{BB962C8B-B14F-4D97-AF65-F5344CB8AC3E}">
-        <p14:creationId xmlns:p14="http://schemas.microsoft.com/office/powerpoint/2010/main" val="4119451772"/>
-      </p:ext>
-    </p:extLst>
-  </p:cSld>
-  <p:clrMapOvr>
-    <a:masterClrMapping/>
-  </p:clrMapOvr>
-</p:sld>
-</file>
-
 <file path=ppt/slides/slide3.xml><?xml version="1.0" encoding="utf-8"?>
 <p:sld xmlns:a="http://schemas.openxmlformats.org/drawingml/2006/main" xmlns:r="http://schemas.openxmlformats.org/officeDocument/2006/relationships" xmlns:p="http://schemas.openxmlformats.org/presentationml/2006/main">
   <p:cSld>
@@ -10705,6 +10361,58 @@
           </a:prstGeom>
         </p:spPr>
       </p:pic>
+      <p:sp>
+        <p:nvSpPr>
+          <p:cNvPr id="7" name="Rectangle 6">
+            <a:extLst>
+              <a:ext uri="{FF2B5EF4-FFF2-40B4-BE49-F238E27FC236}">
+                <a16:creationId xmlns:a16="http://schemas.microsoft.com/office/drawing/2014/main" id="{57088D70-15D4-D2F0-92D2-5F4675B884B6}"/>
+              </a:ext>
+            </a:extLst>
+          </p:cNvPr>
+          <p:cNvSpPr/>
+          <p:nvPr/>
+        </p:nvSpPr>
+        <p:spPr>
+          <a:xfrm>
+            <a:off x="6748272" y="3877056"/>
+            <a:ext cx="3118104" cy="409537"/>
+          </a:xfrm>
+          <a:prstGeom prst="rect">
+            <a:avLst/>
+          </a:prstGeom>
+          <a:noFill/>
+          <a:ln w="38100">
+            <a:solidFill>
+              <a:srgbClr val="C00000"/>
+            </a:solidFill>
+          </a:ln>
+        </p:spPr>
+        <p:style>
+          <a:lnRef idx="2">
+            <a:schemeClr val="accent1">
+              <a:shade val="15000"/>
+            </a:schemeClr>
+          </a:lnRef>
+          <a:fillRef idx="1">
+            <a:schemeClr val="accent1"/>
+          </a:fillRef>
+          <a:effectRef idx="0">
+            <a:schemeClr val="accent1"/>
+          </a:effectRef>
+          <a:fontRef idx="minor">
+            <a:schemeClr val="lt1"/>
+          </a:fontRef>
+        </p:style>
+        <p:txBody>
+          <a:bodyPr rtlCol="0" anchor="ctr"/>
+          <a:lstStyle/>
+          <a:p>
+            <a:pPr algn="ctr"/>
+            <a:endParaRPr lang="en-NZ"/>
+          </a:p>
+        </p:txBody>
+      </p:sp>
     </p:spTree>
     <p:extLst>
       <p:ext uri="{BB962C8B-B14F-4D97-AF65-F5344CB8AC3E}">
@@ -10719,260 +10427,6 @@
 </file>
 
 <file path=ppt/slides/slide8.xml><?xml version="1.0" encoding="utf-8"?>
-<p:sld xmlns:a="http://schemas.openxmlformats.org/drawingml/2006/main" xmlns:r="http://schemas.openxmlformats.org/officeDocument/2006/relationships" xmlns:p="http://schemas.openxmlformats.org/presentationml/2006/main">
-  <p:cSld>
-    <p:spTree>
-      <p:nvGrpSpPr>
-        <p:cNvPr id="1" name=""/>
-        <p:cNvGrpSpPr/>
-        <p:nvPr/>
-      </p:nvGrpSpPr>
-      <p:grpSpPr>
-        <a:xfrm>
-          <a:off x="0" y="0"/>
-          <a:ext cx="0" cy="0"/>
-          <a:chOff x="0" y="0"/>
-          <a:chExt cx="0" cy="0"/>
-        </a:xfrm>
-      </p:grpSpPr>
-      <p:sp>
-        <p:nvSpPr>
-          <p:cNvPr id="2" name="Title 1">
-            <a:extLst>
-              <a:ext uri="{FF2B5EF4-FFF2-40B4-BE49-F238E27FC236}">
-                <a16:creationId xmlns:a16="http://schemas.microsoft.com/office/drawing/2014/main" id="{242E4017-966A-3CF3-911C-0FED494A8676}"/>
-              </a:ext>
-            </a:extLst>
-          </p:cNvPr>
-          <p:cNvSpPr>
-            <a:spLocks noGrp="1"/>
-          </p:cNvSpPr>
-          <p:nvPr>
-            <p:ph type="title"/>
-          </p:nvPr>
-        </p:nvSpPr>
-        <p:spPr/>
-        <p:txBody>
-          <a:bodyPr/>
-          <a:lstStyle/>
-          <a:p>
-            <a:r>
-              <a:rPr lang="en-NZ" dirty="0"/>
-              <a:t>How to use projects</a:t>
-            </a:r>
-          </a:p>
-        </p:txBody>
-      </p:sp>
-      <p:sp>
-        <p:nvSpPr>
-          <p:cNvPr id="3" name="Content Placeholder 2">
-            <a:extLst>
-              <a:ext uri="{FF2B5EF4-FFF2-40B4-BE49-F238E27FC236}">
-                <a16:creationId xmlns:a16="http://schemas.microsoft.com/office/drawing/2014/main" id="{E067DC2B-272B-03FB-A104-3EA0E40DFCA1}"/>
-              </a:ext>
-            </a:extLst>
-          </p:cNvPr>
-          <p:cNvSpPr>
-            <a:spLocks noGrp="1"/>
-          </p:cNvSpPr>
-          <p:nvPr>
-            <p:ph idx="1"/>
-          </p:nvPr>
-        </p:nvSpPr>
-        <p:spPr/>
-        <p:txBody>
-          <a:bodyPr/>
-          <a:lstStyle/>
-          <a:p>
-            <a:r>
-              <a:rPr lang="en-NZ" dirty="0"/>
-              <a:t>Ideally, these are truly “project”-specific</a:t>
-            </a:r>
-          </a:p>
-          <a:p>
-            <a:pPr lvl="1"/>
-            <a:r>
-              <a:rPr lang="en-NZ" dirty="0"/>
-              <a:t>A set of analyses towards a common goal, typically a manuscript</a:t>
-            </a:r>
-          </a:p>
-          <a:p>
-            <a:endParaRPr lang="en-NZ" dirty="0"/>
-          </a:p>
-          <a:p>
-            <a:pPr lvl="1"/>
-            <a:endParaRPr lang="en-NZ" dirty="0"/>
-          </a:p>
-        </p:txBody>
-      </p:sp>
-      <p:pic>
-        <p:nvPicPr>
-          <p:cNvPr id="5" name="Picture 4">
-            <a:extLst>
-              <a:ext uri="{FF2B5EF4-FFF2-40B4-BE49-F238E27FC236}">
-                <a16:creationId xmlns:a16="http://schemas.microsoft.com/office/drawing/2014/main" id="{49AB8B98-8ED6-4866-A651-61651ECEA560}"/>
-              </a:ext>
-            </a:extLst>
-          </p:cNvPr>
-          <p:cNvPicPr>
-            <a:picLocks noChangeAspect="1"/>
-          </p:cNvPicPr>
-          <p:nvPr/>
-        </p:nvPicPr>
-        <p:blipFill>
-          <a:blip r:embed="rId2"/>
-          <a:stretch>
-            <a:fillRect/>
-          </a:stretch>
-        </p:blipFill>
-        <p:spPr>
-          <a:xfrm>
-            <a:off x="320279" y="3072984"/>
-            <a:ext cx="4544059" cy="2124371"/>
-          </a:xfrm>
-          <a:prstGeom prst="rect">
-            <a:avLst/>
-          </a:prstGeom>
-        </p:spPr>
-      </p:pic>
-      <p:pic>
-        <p:nvPicPr>
-          <p:cNvPr id="7" name="Picture 6">
-            <a:extLst>
-              <a:ext uri="{FF2B5EF4-FFF2-40B4-BE49-F238E27FC236}">
-                <a16:creationId xmlns:a16="http://schemas.microsoft.com/office/drawing/2014/main" id="{3CB2B347-2CC5-9DFF-D693-3CA70F2C267C}"/>
-              </a:ext>
-            </a:extLst>
-          </p:cNvPr>
-          <p:cNvPicPr>
-            <a:picLocks noChangeAspect="1"/>
-          </p:cNvPicPr>
-          <p:nvPr/>
-        </p:nvPicPr>
-        <p:blipFill>
-          <a:blip r:embed="rId3"/>
-          <a:stretch>
-            <a:fillRect/>
-          </a:stretch>
-        </p:blipFill>
-        <p:spPr>
-          <a:xfrm>
-            <a:off x="6756945" y="2809059"/>
-            <a:ext cx="3454050" cy="3900170"/>
-          </a:xfrm>
-          <a:prstGeom prst="rect">
-            <a:avLst/>
-          </a:prstGeom>
-        </p:spPr>
-      </p:pic>
-      <p:pic>
-        <p:nvPicPr>
-          <p:cNvPr id="9" name="Picture 2" descr="Thumbs Down Vector Art, Icons, and ...">
-            <a:extLst>
-              <a:ext uri="{FF2B5EF4-FFF2-40B4-BE49-F238E27FC236}">
-                <a16:creationId xmlns:a16="http://schemas.microsoft.com/office/drawing/2014/main" id="{07872731-AE70-6F28-B14A-6C8C6A0FF059}"/>
-              </a:ext>
-            </a:extLst>
-          </p:cNvPr>
-          <p:cNvPicPr>
-            <a:picLocks noChangeAspect="1" noChangeArrowheads="1"/>
-          </p:cNvPicPr>
-          <p:nvPr/>
-        </p:nvPicPr>
-        <p:blipFill>
-          <a:blip r:embed="rId4">
-            <a:extLst>
-              <a:ext uri="{28A0092B-C50C-407E-A947-70E740481C1C}">
-                <a14:useLocalDpi xmlns:a14="http://schemas.microsoft.com/office/drawing/2010/main" val="0"/>
-              </a:ext>
-            </a:extLst>
-          </a:blip>
-          <a:srcRect/>
-          <a:stretch>
-            <a:fillRect/>
-          </a:stretch>
-        </p:blipFill>
-        <p:spPr bwMode="auto">
-          <a:xfrm>
-            <a:off x="8653516" y="4001294"/>
-            <a:ext cx="1422923" cy="1422923"/>
-          </a:xfrm>
-          <a:prstGeom prst="rect">
-            <a:avLst/>
-          </a:prstGeom>
-          <a:noFill/>
-          <a:extLst>
-            <a:ext uri="{909E8E84-426E-40DD-AFC4-6F175D3DCCD1}">
-              <a14:hiddenFill xmlns:a14="http://schemas.microsoft.com/office/drawing/2010/main">
-                <a:solidFill>
-                  <a:srgbClr val="FFFFFF"/>
-                </a:solidFill>
-              </a14:hiddenFill>
-            </a:ext>
-          </a:extLst>
-        </p:spPr>
-      </p:pic>
-      <p:pic>
-        <p:nvPicPr>
-          <p:cNvPr id="10" name="Picture 4" descr="Thumbs Up Images Png Free PNG Images ...">
-            <a:extLst>
-              <a:ext uri="{FF2B5EF4-FFF2-40B4-BE49-F238E27FC236}">
-                <a16:creationId xmlns:a16="http://schemas.microsoft.com/office/drawing/2014/main" id="{651B39DA-15F9-15DC-7BB6-5B174D1A387E}"/>
-              </a:ext>
-            </a:extLst>
-          </p:cNvPr>
-          <p:cNvPicPr>
-            <a:picLocks noChangeAspect="1" noChangeArrowheads="1"/>
-          </p:cNvPicPr>
-          <p:nvPr/>
-        </p:nvPicPr>
-        <p:blipFill>
-          <a:blip r:embed="rId5">
-            <a:extLst>
-              <a:ext uri="{28A0092B-C50C-407E-A947-70E740481C1C}">
-                <a14:useLocalDpi xmlns:a14="http://schemas.microsoft.com/office/drawing/2010/main" val="0"/>
-              </a:ext>
-            </a:extLst>
-          </a:blip>
-          <a:srcRect/>
-          <a:stretch>
-            <a:fillRect/>
-          </a:stretch>
-        </p:blipFill>
-        <p:spPr bwMode="auto">
-          <a:xfrm>
-            <a:off x="2827022" y="4077006"/>
-            <a:ext cx="1422924" cy="1507777"/>
-          </a:xfrm>
-          <a:prstGeom prst="rect">
-            <a:avLst/>
-          </a:prstGeom>
-          <a:noFill/>
-          <a:extLst>
-            <a:ext uri="{909E8E84-426E-40DD-AFC4-6F175D3DCCD1}">
-              <a14:hiddenFill xmlns:a14="http://schemas.microsoft.com/office/drawing/2010/main">
-                <a:solidFill>
-                  <a:srgbClr val="FFFFFF"/>
-                </a:solidFill>
-              </a14:hiddenFill>
-            </a:ext>
-          </a:extLst>
-        </p:spPr>
-      </p:pic>
-    </p:spTree>
-    <p:extLst>
-      <p:ext uri="{BB962C8B-B14F-4D97-AF65-F5344CB8AC3E}">
-        <p14:creationId xmlns:p14="http://schemas.microsoft.com/office/powerpoint/2010/main" val="1663465521"/>
-      </p:ext>
-    </p:extLst>
-  </p:cSld>
-  <p:clrMapOvr>
-    <a:masterClrMapping/>
-  </p:clrMapOvr>
-</p:sld>
-</file>
-
-<file path=ppt/slides/slide9.xml><?xml version="1.0" encoding="utf-8"?>
 <p:sld xmlns:a="http://schemas.openxmlformats.org/drawingml/2006/main" xmlns:r="http://schemas.openxmlformats.org/officeDocument/2006/relationships" xmlns:p="http://schemas.openxmlformats.org/presentationml/2006/main">
   <p:cSld>
     <p:spTree>
@@ -11128,6 +10582,265 @@
     <p:extLst>
       <p:ext uri="{BB962C8B-B14F-4D97-AF65-F5344CB8AC3E}">
         <p14:creationId xmlns:p14="http://schemas.microsoft.com/office/powerpoint/2010/main" val="1720701469"/>
+      </p:ext>
+    </p:extLst>
+  </p:cSld>
+  <p:clrMapOvr>
+    <a:masterClrMapping/>
+  </p:clrMapOvr>
+</p:sld>
+</file>
+
+<file path=ppt/slides/slide9.xml><?xml version="1.0" encoding="utf-8"?>
+<p:sld xmlns:a="http://schemas.openxmlformats.org/drawingml/2006/main" xmlns:r="http://schemas.openxmlformats.org/officeDocument/2006/relationships" xmlns:p="http://schemas.openxmlformats.org/presentationml/2006/main">
+  <p:cSld>
+    <p:spTree>
+      <p:nvGrpSpPr>
+        <p:cNvPr id="1" name=""/>
+        <p:cNvGrpSpPr/>
+        <p:nvPr/>
+      </p:nvGrpSpPr>
+      <p:grpSpPr>
+        <a:xfrm>
+          <a:off x="0" y="0"/>
+          <a:ext cx="0" cy="0"/>
+          <a:chOff x="0" y="0"/>
+          <a:chExt cx="0" cy="0"/>
+        </a:xfrm>
+      </p:grpSpPr>
+      <p:sp>
+        <p:nvSpPr>
+          <p:cNvPr id="2" name="Title 1">
+            <a:extLst>
+              <a:ext uri="{FF2B5EF4-FFF2-40B4-BE49-F238E27FC236}">
+                <a16:creationId xmlns:a16="http://schemas.microsoft.com/office/drawing/2014/main" id="{242E4017-966A-3CF3-911C-0FED494A8676}"/>
+              </a:ext>
+            </a:extLst>
+          </p:cNvPr>
+          <p:cNvSpPr>
+            <a:spLocks noGrp="1"/>
+          </p:cNvSpPr>
+          <p:nvPr>
+            <p:ph type="title"/>
+          </p:nvPr>
+        </p:nvSpPr>
+        <p:spPr/>
+        <p:txBody>
+          <a:bodyPr/>
+          <a:lstStyle/>
+          <a:p>
+            <a:r>
+              <a:rPr lang="en-NZ" dirty="0"/>
+              <a:t>How to use projects</a:t>
+            </a:r>
+          </a:p>
+        </p:txBody>
+      </p:sp>
+      <p:sp>
+        <p:nvSpPr>
+          <p:cNvPr id="3" name="Content Placeholder 2">
+            <a:extLst>
+              <a:ext uri="{FF2B5EF4-FFF2-40B4-BE49-F238E27FC236}">
+                <a16:creationId xmlns:a16="http://schemas.microsoft.com/office/drawing/2014/main" id="{E067DC2B-272B-03FB-A104-3EA0E40DFCA1}"/>
+              </a:ext>
+            </a:extLst>
+          </p:cNvPr>
+          <p:cNvSpPr>
+            <a:spLocks noGrp="1"/>
+          </p:cNvSpPr>
+          <p:nvPr>
+            <p:ph idx="1"/>
+          </p:nvPr>
+        </p:nvSpPr>
+        <p:spPr>
+          <a:xfrm>
+            <a:off x="838200" y="1825625"/>
+            <a:ext cx="6230112" cy="4351338"/>
+          </a:xfrm>
+        </p:spPr>
+        <p:txBody>
+          <a:bodyPr/>
+          <a:lstStyle/>
+          <a:p>
+            <a:r>
+              <a:rPr lang="en-NZ" dirty="0"/>
+              <a:t>Ideally, these are truly “project”-specific</a:t>
+            </a:r>
+          </a:p>
+          <a:p>
+            <a:pPr lvl="1"/>
+            <a:r>
+              <a:rPr lang="en-NZ" dirty="0"/>
+              <a:t>A set of analyses towards a common goal, typically a manuscript</a:t>
+            </a:r>
+          </a:p>
+          <a:p>
+            <a:endParaRPr lang="en-NZ" dirty="0"/>
+          </a:p>
+          <a:p>
+            <a:pPr lvl="1"/>
+            <a:endParaRPr lang="en-NZ" dirty="0"/>
+          </a:p>
+        </p:txBody>
+      </p:sp>
+      <p:pic>
+        <p:nvPicPr>
+          <p:cNvPr id="5" name="Picture 4">
+            <a:extLst>
+              <a:ext uri="{FF2B5EF4-FFF2-40B4-BE49-F238E27FC236}">
+                <a16:creationId xmlns:a16="http://schemas.microsoft.com/office/drawing/2014/main" id="{49AB8B98-8ED6-4866-A651-61651ECEA560}"/>
+              </a:ext>
+            </a:extLst>
+          </p:cNvPr>
+          <p:cNvPicPr>
+            <a:picLocks noChangeAspect="1"/>
+          </p:cNvPicPr>
+          <p:nvPr/>
+        </p:nvPicPr>
+        <p:blipFill>
+          <a:blip r:embed="rId2"/>
+          <a:stretch>
+            <a:fillRect/>
+          </a:stretch>
+        </p:blipFill>
+        <p:spPr>
+          <a:xfrm>
+            <a:off x="692367" y="3878291"/>
+            <a:ext cx="5592631" cy="2614584"/>
+          </a:xfrm>
+          <a:prstGeom prst="rect">
+            <a:avLst/>
+          </a:prstGeom>
+        </p:spPr>
+      </p:pic>
+      <p:pic>
+        <p:nvPicPr>
+          <p:cNvPr id="7" name="Picture 6">
+            <a:extLst>
+              <a:ext uri="{FF2B5EF4-FFF2-40B4-BE49-F238E27FC236}">
+                <a16:creationId xmlns:a16="http://schemas.microsoft.com/office/drawing/2014/main" id="{3CB2B347-2CC5-9DFF-D693-3CA70F2C267C}"/>
+              </a:ext>
+            </a:extLst>
+          </p:cNvPr>
+          <p:cNvPicPr>
+            <a:picLocks noChangeAspect="1"/>
+          </p:cNvPicPr>
+          <p:nvPr/>
+        </p:nvPicPr>
+        <p:blipFill>
+          <a:blip r:embed="rId3"/>
+          <a:stretch>
+            <a:fillRect/>
+          </a:stretch>
+        </p:blipFill>
+        <p:spPr>
+          <a:xfrm>
+            <a:off x="7214145" y="1690687"/>
+            <a:ext cx="4235358" cy="4782391"/>
+          </a:xfrm>
+          <a:prstGeom prst="rect">
+            <a:avLst/>
+          </a:prstGeom>
+        </p:spPr>
+      </p:pic>
+      <p:pic>
+        <p:nvPicPr>
+          <p:cNvPr id="9" name="Picture 2" descr="Thumbs Down Vector Art, Icons, and ...">
+            <a:extLst>
+              <a:ext uri="{FF2B5EF4-FFF2-40B4-BE49-F238E27FC236}">
+                <a16:creationId xmlns:a16="http://schemas.microsoft.com/office/drawing/2014/main" id="{07872731-AE70-6F28-B14A-6C8C6A0FF059}"/>
+              </a:ext>
+            </a:extLst>
+          </p:cNvPr>
+          <p:cNvPicPr>
+            <a:picLocks noChangeAspect="1" noChangeArrowheads="1"/>
+          </p:cNvPicPr>
+          <p:nvPr/>
+        </p:nvPicPr>
+        <p:blipFill>
+          <a:blip r:embed="rId4">
+            <a:extLst>
+              <a:ext uri="{28A0092B-C50C-407E-A947-70E740481C1C}">
+                <a14:useLocalDpi xmlns:a14="http://schemas.microsoft.com/office/drawing/2010/main" val="0"/>
+              </a:ext>
+            </a:extLst>
+          </a:blip>
+          <a:srcRect/>
+          <a:stretch>
+            <a:fillRect/>
+          </a:stretch>
+        </p:blipFill>
+        <p:spPr bwMode="auto">
+          <a:xfrm>
+            <a:off x="9723364" y="3166829"/>
+            <a:ext cx="1422923" cy="1422923"/>
+          </a:xfrm>
+          <a:prstGeom prst="rect">
+            <a:avLst/>
+          </a:prstGeom>
+          <a:noFill/>
+          <a:extLst>
+            <a:ext uri="{909E8E84-426E-40DD-AFC4-6F175D3DCCD1}">
+              <a14:hiddenFill xmlns:a14="http://schemas.microsoft.com/office/drawing/2010/main">
+                <a:solidFill>
+                  <a:srgbClr val="FFFFFF"/>
+                </a:solidFill>
+              </a14:hiddenFill>
+            </a:ext>
+          </a:extLst>
+        </p:spPr>
+      </p:pic>
+      <p:pic>
+        <p:nvPicPr>
+          <p:cNvPr id="10" name="Picture 4" descr="Thumbs Up Images Png Free PNG Images ...">
+            <a:extLst>
+              <a:ext uri="{FF2B5EF4-FFF2-40B4-BE49-F238E27FC236}">
+                <a16:creationId xmlns:a16="http://schemas.microsoft.com/office/drawing/2014/main" id="{651B39DA-15F9-15DC-7BB6-5B174D1A387E}"/>
+              </a:ext>
+            </a:extLst>
+          </p:cNvPr>
+          <p:cNvPicPr>
+            <a:picLocks noChangeAspect="1" noChangeArrowheads="1"/>
+          </p:cNvPicPr>
+          <p:nvPr/>
+        </p:nvPicPr>
+        <p:blipFill>
+          <a:blip r:embed="rId5">
+            <a:extLst>
+              <a:ext uri="{28A0092B-C50C-407E-A947-70E740481C1C}">
+                <a14:useLocalDpi xmlns:a14="http://schemas.microsoft.com/office/drawing/2010/main" val="0"/>
+              </a:ext>
+            </a:extLst>
+          </a:blip>
+          <a:srcRect/>
+          <a:stretch>
+            <a:fillRect/>
+          </a:stretch>
+        </p:blipFill>
+        <p:spPr bwMode="auto">
+          <a:xfrm>
+            <a:off x="3458199" y="4965302"/>
+            <a:ext cx="1422924" cy="1507777"/>
+          </a:xfrm>
+          <a:prstGeom prst="rect">
+            <a:avLst/>
+          </a:prstGeom>
+          <a:noFill/>
+          <a:extLst>
+            <a:ext uri="{909E8E84-426E-40DD-AFC4-6F175D3DCCD1}">
+              <a14:hiddenFill xmlns:a14="http://schemas.microsoft.com/office/drawing/2010/main">
+                <a:solidFill>
+                  <a:srgbClr val="FFFFFF"/>
+                </a:solidFill>
+              </a14:hiddenFill>
+            </a:ext>
+          </a:extLst>
+        </p:spPr>
+      </p:pic>
+    </p:spTree>
+    <p:extLst>
+      <p:ext uri="{BB962C8B-B14F-4D97-AF65-F5344CB8AC3E}">
+        <p14:creationId xmlns:p14="http://schemas.microsoft.com/office/powerpoint/2010/main" val="1663465521"/>
       </p:ext>
     </p:extLst>
   </p:cSld>

--- a/R Workshop.pptx
+++ b/R Workshop.pptx
@@ -15,20 +15,21 @@
     <p:sldId id="489" r:id="rId9"/>
     <p:sldId id="495" r:id="rId10"/>
     <p:sldId id="492" r:id="rId11"/>
-    <p:sldId id="490" r:id="rId12"/>
-    <p:sldId id="500" r:id="rId13"/>
-    <p:sldId id="504" r:id="rId14"/>
-    <p:sldId id="505" r:id="rId15"/>
-    <p:sldId id="506" r:id="rId16"/>
-    <p:sldId id="507" r:id="rId17"/>
-    <p:sldId id="493" r:id="rId18"/>
-    <p:sldId id="508" r:id="rId19"/>
-    <p:sldId id="497" r:id="rId20"/>
-    <p:sldId id="496" r:id="rId21"/>
-    <p:sldId id="498" r:id="rId22"/>
-    <p:sldId id="499" r:id="rId23"/>
-    <p:sldId id="494" r:id="rId24"/>
-    <p:sldId id="501" r:id="rId25"/>
+    <p:sldId id="509" r:id="rId12"/>
+    <p:sldId id="490" r:id="rId13"/>
+    <p:sldId id="500" r:id="rId14"/>
+    <p:sldId id="504" r:id="rId15"/>
+    <p:sldId id="505" r:id="rId16"/>
+    <p:sldId id="506" r:id="rId17"/>
+    <p:sldId id="507" r:id="rId18"/>
+    <p:sldId id="494" r:id="rId19"/>
+    <p:sldId id="493" r:id="rId20"/>
+    <p:sldId id="508" r:id="rId21"/>
+    <p:sldId id="497" r:id="rId22"/>
+    <p:sldId id="496" r:id="rId23"/>
+    <p:sldId id="498" r:id="rId24"/>
+    <p:sldId id="499" r:id="rId25"/>
+    <p:sldId id="501" r:id="rId26"/>
   </p:sldIdLst>
   <p:sldSz cx="12192000" cy="6858000"/>
   <p:notesSz cx="6858000" cy="9144000"/>
@@ -138,7 +139,7 @@
 <file path=ppt/revisionInfo.xml><?xml version="1.0" encoding="utf-8"?>
 <p1510:revInfo xmlns:a="http://schemas.openxmlformats.org/drawingml/2006/main" xmlns:r="http://schemas.openxmlformats.org/officeDocument/2006/relationships" xmlns:p1510="http://schemas.microsoft.com/office/powerpoint/2015/10/main">
   <p1510:revLst>
-    <p1510:client id="{8FABE6F9-A2B0-48CB-80DD-84E79D55981F}" v="31" dt="2024-09-29T20:33:27.914"/>
+    <p1510:client id="{8FABE6F9-A2B0-48CB-80DD-84E79D55981F}" v="32" dt="2024-09-29T20:38:14.261"/>
   </p1510:revLst>
 </p1510:revInfo>
 </file>
@@ -825,7 +826,7 @@
   <pc:docChgLst>
     <pc:chgData name="Whitney Woelmer" userId="cc1e44da-7691-4c78-aceb-77bbb5a56163" providerId="ADAL" clId="{8FABE6F9-A2B0-48CB-80DD-84E79D55981F}"/>
     <pc:docChg chg="undo redo custSel addSld delSld modSld sldOrd">
-      <pc:chgData name="Whitney Woelmer" userId="cc1e44da-7691-4c78-aceb-77bbb5a56163" providerId="ADAL" clId="{8FABE6F9-A2B0-48CB-80DD-84E79D55981F}" dt="2024-09-29T20:36:15.258" v="3121" actId="47"/>
+      <pc:chgData name="Whitney Woelmer" userId="cc1e44da-7691-4c78-aceb-77bbb5a56163" providerId="ADAL" clId="{8FABE6F9-A2B0-48CB-80DD-84E79D55981F}" dt="2024-09-29T20:40:21.535" v="3178"/>
       <pc:docMkLst>
         <pc:docMk/>
       </pc:docMkLst>
@@ -914,13 +915,13 @@
         </pc:graphicFrameChg>
       </pc:sldChg>
       <pc:sldChg chg="modSp mod">
-        <pc:chgData name="Whitney Woelmer" userId="cc1e44da-7691-4c78-aceb-77bbb5a56163" providerId="ADAL" clId="{8FABE6F9-A2B0-48CB-80DD-84E79D55981F}" dt="2024-09-29T20:34:58.753" v="3120" actId="114"/>
+        <pc:chgData name="Whitney Woelmer" userId="cc1e44da-7691-4c78-aceb-77bbb5a56163" providerId="ADAL" clId="{8FABE6F9-A2B0-48CB-80DD-84E79D55981F}" dt="2024-09-29T20:38:09.216" v="3172" actId="5793"/>
         <pc:sldMkLst>
           <pc:docMk/>
           <pc:sldMk cId="1024380196" sldId="492"/>
         </pc:sldMkLst>
         <pc:spChg chg="mod">
-          <ac:chgData name="Whitney Woelmer" userId="cc1e44da-7691-4c78-aceb-77bbb5a56163" providerId="ADAL" clId="{8FABE6F9-A2B0-48CB-80DD-84E79D55981F}" dt="2024-09-29T20:34:58.753" v="3120" actId="114"/>
+          <ac:chgData name="Whitney Woelmer" userId="cc1e44da-7691-4c78-aceb-77bbb5a56163" providerId="ADAL" clId="{8FABE6F9-A2B0-48CB-80DD-84E79D55981F}" dt="2024-09-29T20:38:09.216" v="3172" actId="5793"/>
           <ac:spMkLst>
             <pc:docMk/>
             <pc:sldMk cId="1024380196" sldId="492"/>
@@ -943,8 +944,8 @@
           </ac:spMkLst>
         </pc:spChg>
       </pc:sldChg>
-      <pc:sldChg chg="modSp mod">
-        <pc:chgData name="Whitney Woelmer" userId="cc1e44da-7691-4c78-aceb-77bbb5a56163" providerId="ADAL" clId="{8FABE6F9-A2B0-48CB-80DD-84E79D55981F}" dt="2024-09-25T23:08:58.766" v="1535" actId="20577"/>
+      <pc:sldChg chg="modSp mod ord">
+        <pc:chgData name="Whitney Woelmer" userId="cc1e44da-7691-4c78-aceb-77bbb5a56163" providerId="ADAL" clId="{8FABE6F9-A2B0-48CB-80DD-84E79D55981F}" dt="2024-09-29T20:40:21.535" v="3178"/>
         <pc:sldMkLst>
           <pc:docMk/>
           <pc:sldMk cId="776326194" sldId="494"/>
@@ -1346,6 +1347,21 @@
             <pc:docMk/>
             <pc:sldMk cId="164994360" sldId="508"/>
             <ac:picMk id="1026" creationId="{FC235554-E341-AC81-0C63-B72EBD344644}"/>
+          </ac:picMkLst>
+        </pc:picChg>
+      </pc:sldChg>
+      <pc:sldChg chg="addSp new">
+        <pc:chgData name="Whitney Woelmer" userId="cc1e44da-7691-4c78-aceb-77bbb5a56163" providerId="ADAL" clId="{8FABE6F9-A2B0-48CB-80DD-84E79D55981F}" dt="2024-09-29T20:38:14.261" v="3174"/>
+        <pc:sldMkLst>
+          <pc:docMk/>
+          <pc:sldMk cId="2779063014" sldId="509"/>
+        </pc:sldMkLst>
+        <pc:picChg chg="add">
+          <ac:chgData name="Whitney Woelmer" userId="cc1e44da-7691-4c78-aceb-77bbb5a56163" providerId="ADAL" clId="{8FABE6F9-A2B0-48CB-80DD-84E79D55981F}" dt="2024-09-29T20:38:14.261" v="3174"/>
+          <ac:picMkLst>
+            <pc:docMk/>
+            <pc:sldMk cId="2779063014" sldId="509"/>
+            <ac:picMk id="1026" creationId="{6F30B81F-6674-6D63-009C-16C43E40ECB3}"/>
           </ac:picMkLst>
         </pc:picChg>
       </pc:sldChg>
@@ -4825,7 +4841,9 @@
         </p:nvSpPr>
         <p:spPr/>
         <p:txBody>
-          <a:bodyPr/>
+          <a:bodyPr>
+            <a:normAutofit lnSpcReduction="10000"/>
+          </a:bodyPr>
           <a:lstStyle/>
           <a:p>
             <a:r>
@@ -4877,6 +4895,12 @@
             <a:r>
               <a:rPr lang="en-NZ" dirty="0"/>
               <a:t> what you asked for), but did you tell it the right thing?</a:t>
+            </a:r>
+          </a:p>
+          <a:p>
+            <a:r>
+              <a:rPr lang="en-NZ" dirty="0"/>
+              <a:t>Use ChatGPT, but take it with a grain of salt…</a:t>
             </a:r>
           </a:p>
           <a:p>
@@ -4899,6 +4923,133 @@
 </file>
 
 <file path=ppt/slides/slide11.xml><?xml version="1.0" encoding="utf-8"?>
+<p:sld xmlns:a="http://schemas.openxmlformats.org/drawingml/2006/main" xmlns:r="http://schemas.openxmlformats.org/officeDocument/2006/relationships" xmlns:p="http://schemas.openxmlformats.org/presentationml/2006/main">
+  <p:cSld>
+    <p:spTree>
+      <p:nvGrpSpPr>
+        <p:cNvPr id="1" name=""/>
+        <p:cNvGrpSpPr/>
+        <p:nvPr/>
+      </p:nvGrpSpPr>
+      <p:grpSpPr>
+        <a:xfrm>
+          <a:off x="0" y="0"/>
+          <a:ext cx="0" cy="0"/>
+          <a:chOff x="0" y="0"/>
+          <a:chExt cx="0" cy="0"/>
+        </a:xfrm>
+      </p:grpSpPr>
+      <p:sp>
+        <p:nvSpPr>
+          <p:cNvPr id="2" name="Title 1">
+            <a:extLst>
+              <a:ext uri="{FF2B5EF4-FFF2-40B4-BE49-F238E27FC236}">
+                <a16:creationId xmlns:a16="http://schemas.microsoft.com/office/drawing/2014/main" id="{E4525A7D-1DA0-5420-23A6-4D8F8F7AEF81}"/>
+              </a:ext>
+            </a:extLst>
+          </p:cNvPr>
+          <p:cNvSpPr>
+            <a:spLocks noGrp="1"/>
+          </p:cNvSpPr>
+          <p:nvPr>
+            <p:ph type="title"/>
+          </p:nvPr>
+        </p:nvSpPr>
+        <p:spPr/>
+        <p:txBody>
+          <a:bodyPr/>
+          <a:lstStyle/>
+          <a:p>
+            <a:endParaRPr lang="en-NZ"/>
+          </a:p>
+        </p:txBody>
+      </p:sp>
+      <p:sp>
+        <p:nvSpPr>
+          <p:cNvPr id="3" name="Content Placeholder 2">
+            <a:extLst>
+              <a:ext uri="{FF2B5EF4-FFF2-40B4-BE49-F238E27FC236}">
+                <a16:creationId xmlns:a16="http://schemas.microsoft.com/office/drawing/2014/main" id="{CC4FFED0-0CCA-EF12-56E8-2DDAC8B456B8}"/>
+              </a:ext>
+            </a:extLst>
+          </p:cNvPr>
+          <p:cNvSpPr>
+            <a:spLocks noGrp="1"/>
+          </p:cNvSpPr>
+          <p:nvPr>
+            <p:ph idx="1"/>
+          </p:nvPr>
+        </p:nvSpPr>
+        <p:spPr/>
+        <p:txBody>
+          <a:bodyPr/>
+          <a:lstStyle/>
+          <a:p>
+            <a:endParaRPr lang="en-NZ"/>
+          </a:p>
+        </p:txBody>
+      </p:sp>
+      <p:pic>
+        <p:nvPicPr>
+          <p:cNvPr id="1026" name="Picture 2">
+            <a:extLst>
+              <a:ext uri="{FF2B5EF4-FFF2-40B4-BE49-F238E27FC236}">
+                <a16:creationId xmlns:a16="http://schemas.microsoft.com/office/drawing/2014/main" id="{6F30B81F-6674-6D63-009C-16C43E40ECB3}"/>
+              </a:ext>
+            </a:extLst>
+          </p:cNvPr>
+          <p:cNvPicPr>
+            <a:picLocks noChangeAspect="1" noChangeArrowheads="1"/>
+          </p:cNvPicPr>
+          <p:nvPr/>
+        </p:nvPicPr>
+        <p:blipFill>
+          <a:blip r:embed="rId2">
+            <a:extLst>
+              <a:ext uri="{28A0092B-C50C-407E-A947-70E740481C1C}">
+                <a14:useLocalDpi xmlns:a14="http://schemas.microsoft.com/office/drawing/2010/main" val="0"/>
+              </a:ext>
+            </a:extLst>
+          </a:blip>
+          <a:srcRect/>
+          <a:stretch>
+            <a:fillRect/>
+          </a:stretch>
+        </p:blipFill>
+        <p:spPr bwMode="auto">
+          <a:xfrm>
+            <a:off x="2305050" y="0"/>
+            <a:ext cx="7581900" cy="6858000"/>
+          </a:xfrm>
+          <a:prstGeom prst="rect">
+            <a:avLst/>
+          </a:prstGeom>
+          <a:noFill/>
+          <a:extLst>
+            <a:ext uri="{909E8E84-426E-40DD-AFC4-6F175D3DCCD1}">
+              <a14:hiddenFill xmlns:a14="http://schemas.microsoft.com/office/drawing/2010/main">
+                <a:solidFill>
+                  <a:srgbClr val="FFFFFF"/>
+                </a:solidFill>
+              </a14:hiddenFill>
+            </a:ext>
+          </a:extLst>
+        </p:spPr>
+      </p:pic>
+    </p:spTree>
+    <p:extLst>
+      <p:ext uri="{BB962C8B-B14F-4D97-AF65-F5344CB8AC3E}">
+        <p14:creationId xmlns:p14="http://schemas.microsoft.com/office/powerpoint/2010/main" val="2779063014"/>
+      </p:ext>
+    </p:extLst>
+  </p:cSld>
+  <p:clrMapOvr>
+    <a:masterClrMapping/>
+  </p:clrMapOvr>
+</p:sld>
+</file>
+
+<file path=ppt/slides/slide12.xml><?xml version="1.0" encoding="utf-8"?>
 <p:sld xmlns:a="http://schemas.openxmlformats.org/drawingml/2006/main" xmlns:r="http://schemas.openxmlformats.org/officeDocument/2006/relationships" xmlns:p="http://schemas.openxmlformats.org/presentationml/2006/main">
   <p:cSld>
     <p:spTree>
@@ -5638,7 +5789,7 @@
 </p:sld>
 </file>
 
-<file path=ppt/slides/slide12.xml><?xml version="1.0" encoding="utf-8"?>
+<file path=ppt/slides/slide13.xml><?xml version="1.0" encoding="utf-8"?>
 <p:sld xmlns:a="http://schemas.openxmlformats.org/drawingml/2006/main" xmlns:r="http://schemas.openxmlformats.org/officeDocument/2006/relationships" xmlns:p="http://schemas.openxmlformats.org/presentationml/2006/main">
   <p:cSld>
     <p:spTree>
@@ -6224,7 +6375,7 @@
 </p:sld>
 </file>
 
-<file path=ppt/slides/slide13.xml><?xml version="1.0" encoding="utf-8"?>
+<file path=ppt/slides/slide14.xml><?xml version="1.0" encoding="utf-8"?>
 <p:sld xmlns:a="http://schemas.openxmlformats.org/drawingml/2006/main" xmlns:r="http://schemas.openxmlformats.org/officeDocument/2006/relationships" xmlns:p="http://schemas.openxmlformats.org/presentationml/2006/main">
   <p:cSld>
     <p:spTree>
@@ -6333,7 +6484,7 @@
 </p:sld>
 </file>
 
-<file path=ppt/slides/slide14.xml><?xml version="1.0" encoding="utf-8"?>
+<file path=ppt/slides/slide15.xml><?xml version="1.0" encoding="utf-8"?>
 <p:sld xmlns:a="http://schemas.openxmlformats.org/drawingml/2006/main" xmlns:r="http://schemas.openxmlformats.org/officeDocument/2006/relationships" xmlns:p="http://schemas.openxmlformats.org/presentationml/2006/main">
   <p:cSld>
     <p:spTree>
@@ -6466,7 +6617,7 @@
 </p:sld>
 </file>
 
-<file path=ppt/slides/slide15.xml><?xml version="1.0" encoding="utf-8"?>
+<file path=ppt/slides/slide16.xml><?xml version="1.0" encoding="utf-8"?>
 <p:sld xmlns:a="http://schemas.openxmlformats.org/drawingml/2006/main" xmlns:r="http://schemas.openxmlformats.org/officeDocument/2006/relationships" xmlns:p="http://schemas.openxmlformats.org/presentationml/2006/main">
   <p:cSld>
     <p:spTree>
@@ -6957,7 +7108,7 @@
 </p:sld>
 </file>
 
-<file path=ppt/slides/slide16.xml><?xml version="1.0" encoding="utf-8"?>
+<file path=ppt/slides/slide17.xml><?xml version="1.0" encoding="utf-8"?>
 <p:sld xmlns:a="http://schemas.openxmlformats.org/drawingml/2006/main" xmlns:r="http://schemas.openxmlformats.org/officeDocument/2006/relationships" xmlns:p="http://schemas.openxmlformats.org/presentationml/2006/main">
   <p:cSld>
     <p:spTree>
@@ -7206,7 +7357,7 @@
 </p:sld>
 </file>
 
-<file path=ppt/slides/slide17.xml><?xml version="1.0" encoding="utf-8"?>
+<file path=ppt/slides/slide18.xml><?xml version="1.0" encoding="utf-8"?>
 <p:sld xmlns:a="http://schemas.openxmlformats.org/drawingml/2006/main" xmlns:r="http://schemas.openxmlformats.org/officeDocument/2006/relationships" xmlns:p="http://schemas.openxmlformats.org/presentationml/2006/main">
   <p:cSld>
     <p:spTree>
@@ -7228,6 +7379,149 @@
           <p:cNvPr id="2" name="Title 1">
             <a:extLst>
               <a:ext uri="{FF2B5EF4-FFF2-40B4-BE49-F238E27FC236}">
+                <a16:creationId xmlns:a16="http://schemas.microsoft.com/office/drawing/2014/main" id="{0B0DDE12-CC47-6E02-1CD5-08A93B4D5FE9}"/>
+              </a:ext>
+            </a:extLst>
+          </p:cNvPr>
+          <p:cNvSpPr>
+            <a:spLocks noGrp="1"/>
+          </p:cNvSpPr>
+          <p:nvPr>
+            <p:ph type="title"/>
+          </p:nvPr>
+        </p:nvSpPr>
+        <p:spPr/>
+        <p:txBody>
+          <a:bodyPr/>
+          <a:lstStyle/>
+          <a:p>
+            <a:r>
+              <a:rPr lang="en-NZ" dirty="0"/>
+              <a:t>Useful resources</a:t>
+            </a:r>
+          </a:p>
+        </p:txBody>
+      </p:sp>
+      <p:sp>
+        <p:nvSpPr>
+          <p:cNvPr id="3" name="Content Placeholder 2">
+            <a:extLst>
+              <a:ext uri="{FF2B5EF4-FFF2-40B4-BE49-F238E27FC236}">
+                <a16:creationId xmlns:a16="http://schemas.microsoft.com/office/drawing/2014/main" id="{891D5551-6C94-DED9-2F21-C1024CFDCC13}"/>
+              </a:ext>
+            </a:extLst>
+          </p:cNvPr>
+          <p:cNvSpPr>
+            <a:spLocks noGrp="1"/>
+          </p:cNvSpPr>
+          <p:nvPr>
+            <p:ph idx="1"/>
+          </p:nvPr>
+        </p:nvSpPr>
+        <p:spPr/>
+        <p:txBody>
+          <a:bodyPr/>
+          <a:lstStyle/>
+          <a:p>
+            <a:r>
+              <a:rPr lang="en-NZ" dirty="0">
+                <a:hlinkClick r:id="rId2"/>
+              </a:rPr>
+              <a:t>Style guidelines in R</a:t>
+            </a:r>
+            <a:endParaRPr lang="en-NZ" dirty="0"/>
+          </a:p>
+          <a:p>
+            <a:r>
+              <a:rPr lang="en-NZ" dirty="0">
+                <a:hlinkClick r:id="rId3"/>
+              </a:rPr>
+              <a:t>Blog on project-oriented workflows</a:t>
+            </a:r>
+            <a:endParaRPr lang="en-NZ" dirty="0"/>
+          </a:p>
+          <a:p>
+            <a:r>
+              <a:rPr lang="en-NZ" dirty="0"/>
+              <a:t>ChatGPT </a:t>
+            </a:r>
+            <a:r>
+              <a:rPr lang="en-NZ"/>
+              <a:t>and Google</a:t>
+            </a:r>
+            <a:endParaRPr lang="en-NZ" dirty="0"/>
+          </a:p>
+          <a:p>
+            <a:pPr lvl="1"/>
+            <a:r>
+              <a:rPr lang="en-NZ" dirty="0">
+                <a:hlinkClick r:id="rId4"/>
+              </a:rPr>
+              <a:t>Article on suggestions for how to best utilize ChatGPT</a:t>
+            </a:r>
+            <a:endParaRPr lang="en-NZ" dirty="0"/>
+          </a:p>
+          <a:p>
+            <a:pPr lvl="2"/>
+            <a:r>
+              <a:rPr lang="en-NZ" dirty="0"/>
+              <a:t>When first starting out, if you wouldn’t be able to explain what the code is doing, try not to use it—or ask someone to help you understand</a:t>
+            </a:r>
+          </a:p>
+          <a:p>
+            <a:pPr lvl="3"/>
+            <a:r>
+              <a:rPr lang="en-NZ" dirty="0"/>
+              <a:t>ChatGPT will give you functions, for loops, etc. These are more advanced techniques that you will need to write yourself some day</a:t>
+            </a:r>
+          </a:p>
+          <a:p>
+            <a:r>
+              <a:rPr lang="en-NZ" dirty="0"/>
+              <a:t>Each other!</a:t>
+            </a:r>
+          </a:p>
+          <a:p>
+            <a:pPr lvl="3"/>
+            <a:endParaRPr lang="en-NZ" dirty="0"/>
+          </a:p>
+        </p:txBody>
+      </p:sp>
+    </p:spTree>
+    <p:extLst>
+      <p:ext uri="{BB962C8B-B14F-4D97-AF65-F5344CB8AC3E}">
+        <p14:creationId xmlns:p14="http://schemas.microsoft.com/office/powerpoint/2010/main" val="776326194"/>
+      </p:ext>
+    </p:extLst>
+  </p:cSld>
+  <p:clrMapOvr>
+    <a:masterClrMapping/>
+  </p:clrMapOvr>
+</p:sld>
+</file>
+
+<file path=ppt/slides/slide19.xml><?xml version="1.0" encoding="utf-8"?>
+<p:sld xmlns:a="http://schemas.openxmlformats.org/drawingml/2006/main" xmlns:r="http://schemas.openxmlformats.org/officeDocument/2006/relationships" xmlns:p="http://schemas.openxmlformats.org/presentationml/2006/main">
+  <p:cSld>
+    <p:spTree>
+      <p:nvGrpSpPr>
+        <p:cNvPr id="1" name=""/>
+        <p:cNvGrpSpPr/>
+        <p:nvPr/>
+      </p:nvGrpSpPr>
+      <p:grpSpPr>
+        <a:xfrm>
+          <a:off x="0" y="0"/>
+          <a:ext cx="0" cy="0"/>
+          <a:chOff x="0" y="0"/>
+          <a:chExt cx="0" cy="0"/>
+        </a:xfrm>
+      </p:grpSpPr>
+      <p:sp>
+        <p:nvSpPr>
+          <p:cNvPr id="2" name="Title 1">
+            <a:extLst>
+              <a:ext uri="{FF2B5EF4-FFF2-40B4-BE49-F238E27FC236}">
                 <a16:creationId xmlns:a16="http://schemas.microsoft.com/office/drawing/2014/main" id="{891D5FEC-7D39-4D40-A86D-E2A2A3BDE594}"/>
               </a:ext>
             </a:extLst>
@@ -7342,7 +7636,146 @@
 </p:sld>
 </file>
 
-<file path=ppt/slides/slide18.xml><?xml version="1.0" encoding="utf-8"?>
+<file path=ppt/slides/slide2.xml><?xml version="1.0" encoding="utf-8"?>
+<p:sld xmlns:a="http://schemas.openxmlformats.org/drawingml/2006/main" xmlns:r="http://schemas.openxmlformats.org/officeDocument/2006/relationships" xmlns:p="http://schemas.openxmlformats.org/presentationml/2006/main">
+  <p:cSld>
+    <p:spTree>
+      <p:nvGrpSpPr>
+        <p:cNvPr id="1" name=""/>
+        <p:cNvGrpSpPr/>
+        <p:nvPr/>
+      </p:nvGrpSpPr>
+      <p:grpSpPr>
+        <a:xfrm>
+          <a:off x="0" y="0"/>
+          <a:ext cx="0" cy="0"/>
+          <a:chOff x="0" y="0"/>
+          <a:chExt cx="0" cy="0"/>
+        </a:xfrm>
+      </p:grpSpPr>
+      <p:sp>
+        <p:nvSpPr>
+          <p:cNvPr id="2" name="Title 1">
+            <a:extLst>
+              <a:ext uri="{FF2B5EF4-FFF2-40B4-BE49-F238E27FC236}">
+                <a16:creationId xmlns:a16="http://schemas.microsoft.com/office/drawing/2014/main" id="{EB6A6314-C8EF-BB3E-4BD3-6690211DBFD5}"/>
+              </a:ext>
+            </a:extLst>
+          </p:cNvPr>
+          <p:cNvSpPr>
+            <a:spLocks noGrp="1"/>
+          </p:cNvSpPr>
+          <p:nvPr>
+            <p:ph type="title"/>
+          </p:nvPr>
+        </p:nvSpPr>
+        <p:spPr/>
+        <p:txBody>
+          <a:bodyPr/>
+          <a:lstStyle/>
+          <a:p>
+            <a:r>
+              <a:rPr lang="en-NZ" dirty="0"/>
+              <a:t>Topics</a:t>
+            </a:r>
+          </a:p>
+        </p:txBody>
+      </p:sp>
+      <p:sp>
+        <p:nvSpPr>
+          <p:cNvPr id="3" name="Content Placeholder 2">
+            <a:extLst>
+              <a:ext uri="{FF2B5EF4-FFF2-40B4-BE49-F238E27FC236}">
+                <a16:creationId xmlns:a16="http://schemas.microsoft.com/office/drawing/2014/main" id="{B19E93A5-97F5-820C-D2C2-CEDE6A204914}"/>
+              </a:ext>
+            </a:extLst>
+          </p:cNvPr>
+          <p:cNvSpPr>
+            <a:spLocks noGrp="1"/>
+          </p:cNvSpPr>
+          <p:nvPr>
+            <p:ph idx="1"/>
+          </p:nvPr>
+        </p:nvSpPr>
+        <p:spPr/>
+        <p:txBody>
+          <a:bodyPr/>
+          <a:lstStyle/>
+          <a:p>
+            <a:r>
+              <a:rPr lang="en-NZ" dirty="0"/>
+              <a:t>How to set up a project in R</a:t>
+            </a:r>
+          </a:p>
+          <a:p>
+            <a:pPr lvl="1"/>
+            <a:r>
+              <a:rPr lang="en-NZ" dirty="0"/>
+              <a:t>Relative directories</a:t>
+            </a:r>
+          </a:p>
+          <a:p>
+            <a:r>
+              <a:rPr lang="en-NZ" dirty="0"/>
+              <a:t>Best practices in R coding</a:t>
+            </a:r>
+          </a:p>
+          <a:p>
+            <a:r>
+              <a:rPr lang="en-NZ" dirty="0"/>
+              <a:t>Common questions and errors in R</a:t>
+            </a:r>
+          </a:p>
+          <a:p>
+            <a:r>
+              <a:rPr lang="en-NZ" dirty="0"/>
+              <a:t>Real code examples</a:t>
+            </a:r>
+          </a:p>
+          <a:p>
+            <a:pPr lvl="1"/>
+            <a:r>
+              <a:rPr lang="en-NZ" dirty="0"/>
+              <a:t>Accessing buoy and BOPRC data</a:t>
+            </a:r>
+          </a:p>
+          <a:p>
+            <a:pPr lvl="1"/>
+            <a:r>
+              <a:rPr lang="en-NZ" dirty="0"/>
+              <a:t>Visualizing a CTD profile</a:t>
+            </a:r>
+          </a:p>
+          <a:p>
+            <a:pPr lvl="1"/>
+            <a:r>
+              <a:rPr lang="en-NZ" dirty="0"/>
+              <a:t>Visualizing a time series of buoy data</a:t>
+            </a:r>
+          </a:p>
+          <a:p>
+            <a:pPr lvl="1"/>
+            <a:r>
+              <a:rPr lang="en-NZ" dirty="0"/>
+              <a:t>Calculating common limno-metrics (thermocline depth, etc.)</a:t>
+            </a:r>
+          </a:p>
+        </p:txBody>
+      </p:sp>
+    </p:spTree>
+    <p:extLst>
+      <p:ext uri="{BB962C8B-B14F-4D97-AF65-F5344CB8AC3E}">
+        <p14:creationId xmlns:p14="http://schemas.microsoft.com/office/powerpoint/2010/main" val="4106393768"/>
+      </p:ext>
+    </p:extLst>
+  </p:cSld>
+  <p:clrMapOvr>
+    <a:masterClrMapping/>
+  </p:clrMapOvr>
+</p:sld>
+</file>
+
+<file path=ppt/slides/slide20.xml><?xml version="1.0" encoding="utf-8"?>
 <p:sld xmlns:a="http://schemas.openxmlformats.org/drawingml/2006/main" xmlns:r="http://schemas.openxmlformats.org/officeDocument/2006/relationships" xmlns:p="http://schemas.openxmlformats.org/presentationml/2006/main">
   <p:cSld>
     <p:spTree>
@@ -7555,7 +7988,7 @@
 </p:sld>
 </file>
 
-<file path=ppt/slides/slide19.xml><?xml version="1.0" encoding="utf-8"?>
+<file path=ppt/slides/slide21.xml><?xml version="1.0" encoding="utf-8"?>
 <p:sld xmlns:a="http://schemas.openxmlformats.org/drawingml/2006/main" xmlns:r="http://schemas.openxmlformats.org/officeDocument/2006/relationships" xmlns:p="http://schemas.openxmlformats.org/presentationml/2006/main">
   <p:cSld>
     <p:spTree>
@@ -7744,146 +8177,7 @@
 </p:sld>
 </file>
 
-<file path=ppt/slides/slide2.xml><?xml version="1.0" encoding="utf-8"?>
-<p:sld xmlns:a="http://schemas.openxmlformats.org/drawingml/2006/main" xmlns:r="http://schemas.openxmlformats.org/officeDocument/2006/relationships" xmlns:p="http://schemas.openxmlformats.org/presentationml/2006/main">
-  <p:cSld>
-    <p:spTree>
-      <p:nvGrpSpPr>
-        <p:cNvPr id="1" name=""/>
-        <p:cNvGrpSpPr/>
-        <p:nvPr/>
-      </p:nvGrpSpPr>
-      <p:grpSpPr>
-        <a:xfrm>
-          <a:off x="0" y="0"/>
-          <a:ext cx="0" cy="0"/>
-          <a:chOff x="0" y="0"/>
-          <a:chExt cx="0" cy="0"/>
-        </a:xfrm>
-      </p:grpSpPr>
-      <p:sp>
-        <p:nvSpPr>
-          <p:cNvPr id="2" name="Title 1">
-            <a:extLst>
-              <a:ext uri="{FF2B5EF4-FFF2-40B4-BE49-F238E27FC236}">
-                <a16:creationId xmlns:a16="http://schemas.microsoft.com/office/drawing/2014/main" id="{EB6A6314-C8EF-BB3E-4BD3-6690211DBFD5}"/>
-              </a:ext>
-            </a:extLst>
-          </p:cNvPr>
-          <p:cNvSpPr>
-            <a:spLocks noGrp="1"/>
-          </p:cNvSpPr>
-          <p:nvPr>
-            <p:ph type="title"/>
-          </p:nvPr>
-        </p:nvSpPr>
-        <p:spPr/>
-        <p:txBody>
-          <a:bodyPr/>
-          <a:lstStyle/>
-          <a:p>
-            <a:r>
-              <a:rPr lang="en-NZ" dirty="0"/>
-              <a:t>Topics</a:t>
-            </a:r>
-          </a:p>
-        </p:txBody>
-      </p:sp>
-      <p:sp>
-        <p:nvSpPr>
-          <p:cNvPr id="3" name="Content Placeholder 2">
-            <a:extLst>
-              <a:ext uri="{FF2B5EF4-FFF2-40B4-BE49-F238E27FC236}">
-                <a16:creationId xmlns:a16="http://schemas.microsoft.com/office/drawing/2014/main" id="{B19E93A5-97F5-820C-D2C2-CEDE6A204914}"/>
-              </a:ext>
-            </a:extLst>
-          </p:cNvPr>
-          <p:cNvSpPr>
-            <a:spLocks noGrp="1"/>
-          </p:cNvSpPr>
-          <p:nvPr>
-            <p:ph idx="1"/>
-          </p:nvPr>
-        </p:nvSpPr>
-        <p:spPr/>
-        <p:txBody>
-          <a:bodyPr/>
-          <a:lstStyle/>
-          <a:p>
-            <a:r>
-              <a:rPr lang="en-NZ" dirty="0"/>
-              <a:t>How to set up a project in R</a:t>
-            </a:r>
-          </a:p>
-          <a:p>
-            <a:pPr lvl="1"/>
-            <a:r>
-              <a:rPr lang="en-NZ" dirty="0"/>
-              <a:t>Relative directories</a:t>
-            </a:r>
-          </a:p>
-          <a:p>
-            <a:r>
-              <a:rPr lang="en-NZ" dirty="0"/>
-              <a:t>Best practices in R coding</a:t>
-            </a:r>
-          </a:p>
-          <a:p>
-            <a:r>
-              <a:rPr lang="en-NZ" dirty="0"/>
-              <a:t>Common questions and errors in R</a:t>
-            </a:r>
-          </a:p>
-          <a:p>
-            <a:r>
-              <a:rPr lang="en-NZ" dirty="0"/>
-              <a:t>Real code examples</a:t>
-            </a:r>
-          </a:p>
-          <a:p>
-            <a:pPr lvl="1"/>
-            <a:r>
-              <a:rPr lang="en-NZ" dirty="0"/>
-              <a:t>Accessing buoy and BOPRC data</a:t>
-            </a:r>
-          </a:p>
-          <a:p>
-            <a:pPr lvl="1"/>
-            <a:r>
-              <a:rPr lang="en-NZ" dirty="0"/>
-              <a:t>Visualizing a CTD profile</a:t>
-            </a:r>
-          </a:p>
-          <a:p>
-            <a:pPr lvl="1"/>
-            <a:r>
-              <a:rPr lang="en-NZ" dirty="0"/>
-              <a:t>Visualizing a time series of buoy data</a:t>
-            </a:r>
-          </a:p>
-          <a:p>
-            <a:pPr lvl="1"/>
-            <a:r>
-              <a:rPr lang="en-NZ" dirty="0"/>
-              <a:t>Calculating common limno-metrics (thermocline depth, etc.)</a:t>
-            </a:r>
-          </a:p>
-        </p:txBody>
-      </p:sp>
-    </p:spTree>
-    <p:extLst>
-      <p:ext uri="{BB962C8B-B14F-4D97-AF65-F5344CB8AC3E}">
-        <p14:creationId xmlns:p14="http://schemas.microsoft.com/office/powerpoint/2010/main" val="4106393768"/>
-      </p:ext>
-    </p:extLst>
-  </p:cSld>
-  <p:clrMapOvr>
-    <a:masterClrMapping/>
-  </p:clrMapOvr>
-</p:sld>
-</file>
-
-<file path=ppt/slides/slide20.xml><?xml version="1.0" encoding="utf-8"?>
+<file path=ppt/slides/slide22.xml><?xml version="1.0" encoding="utf-8"?>
 <p:sld xmlns:a="http://schemas.openxmlformats.org/drawingml/2006/main" xmlns:r="http://schemas.openxmlformats.org/officeDocument/2006/relationships" xmlns:p="http://schemas.openxmlformats.org/presentationml/2006/main">
   <p:cSld>
     <p:spTree>
@@ -8111,7 +8405,7 @@
 </p:sld>
 </file>
 
-<file path=ppt/slides/slide21.xml><?xml version="1.0" encoding="utf-8"?>
+<file path=ppt/slides/slide23.xml><?xml version="1.0" encoding="utf-8"?>
 <p:sld xmlns:a="http://schemas.openxmlformats.org/drawingml/2006/main" xmlns:r="http://schemas.openxmlformats.org/officeDocument/2006/relationships" xmlns:p="http://schemas.openxmlformats.org/presentationml/2006/main">
   <p:cSld>
     <p:spTree>
@@ -8427,7 +8721,7 @@
 </p:sld>
 </file>
 
-<file path=ppt/slides/slide22.xml><?xml version="1.0" encoding="utf-8"?>
+<file path=ppt/slides/slide24.xml><?xml version="1.0" encoding="utf-8"?>
 <p:sld xmlns:a="http://schemas.openxmlformats.org/drawingml/2006/main" xmlns:r="http://schemas.openxmlformats.org/officeDocument/2006/relationships" xmlns:p="http://schemas.openxmlformats.org/presentationml/2006/main">
   <p:cSld>
     <p:spTree>
@@ -8781,150 +9075,7 @@
 </p:sld>
 </file>
 
-<file path=ppt/slides/slide23.xml><?xml version="1.0" encoding="utf-8"?>
-<p:sld xmlns:a="http://schemas.openxmlformats.org/drawingml/2006/main" xmlns:r="http://schemas.openxmlformats.org/officeDocument/2006/relationships" xmlns:p="http://schemas.openxmlformats.org/presentationml/2006/main">
-  <p:cSld>
-    <p:spTree>
-      <p:nvGrpSpPr>
-        <p:cNvPr id="1" name=""/>
-        <p:cNvGrpSpPr/>
-        <p:nvPr/>
-      </p:nvGrpSpPr>
-      <p:grpSpPr>
-        <a:xfrm>
-          <a:off x="0" y="0"/>
-          <a:ext cx="0" cy="0"/>
-          <a:chOff x="0" y="0"/>
-          <a:chExt cx="0" cy="0"/>
-        </a:xfrm>
-      </p:grpSpPr>
-      <p:sp>
-        <p:nvSpPr>
-          <p:cNvPr id="2" name="Title 1">
-            <a:extLst>
-              <a:ext uri="{FF2B5EF4-FFF2-40B4-BE49-F238E27FC236}">
-                <a16:creationId xmlns:a16="http://schemas.microsoft.com/office/drawing/2014/main" id="{0B0DDE12-CC47-6E02-1CD5-08A93B4D5FE9}"/>
-              </a:ext>
-            </a:extLst>
-          </p:cNvPr>
-          <p:cNvSpPr>
-            <a:spLocks noGrp="1"/>
-          </p:cNvSpPr>
-          <p:nvPr>
-            <p:ph type="title"/>
-          </p:nvPr>
-        </p:nvSpPr>
-        <p:spPr/>
-        <p:txBody>
-          <a:bodyPr/>
-          <a:lstStyle/>
-          <a:p>
-            <a:r>
-              <a:rPr lang="en-NZ" dirty="0"/>
-              <a:t>Useful resources</a:t>
-            </a:r>
-          </a:p>
-        </p:txBody>
-      </p:sp>
-      <p:sp>
-        <p:nvSpPr>
-          <p:cNvPr id="3" name="Content Placeholder 2">
-            <a:extLst>
-              <a:ext uri="{FF2B5EF4-FFF2-40B4-BE49-F238E27FC236}">
-                <a16:creationId xmlns:a16="http://schemas.microsoft.com/office/drawing/2014/main" id="{891D5551-6C94-DED9-2F21-C1024CFDCC13}"/>
-              </a:ext>
-            </a:extLst>
-          </p:cNvPr>
-          <p:cNvSpPr>
-            <a:spLocks noGrp="1"/>
-          </p:cNvSpPr>
-          <p:nvPr>
-            <p:ph idx="1"/>
-          </p:nvPr>
-        </p:nvSpPr>
-        <p:spPr/>
-        <p:txBody>
-          <a:bodyPr/>
-          <a:lstStyle/>
-          <a:p>
-            <a:r>
-              <a:rPr lang="en-NZ" dirty="0">
-                <a:hlinkClick r:id="rId2"/>
-              </a:rPr>
-              <a:t>Style guidelines in R</a:t>
-            </a:r>
-            <a:endParaRPr lang="en-NZ" dirty="0"/>
-          </a:p>
-          <a:p>
-            <a:r>
-              <a:rPr lang="en-NZ" dirty="0">
-                <a:hlinkClick r:id="rId3"/>
-              </a:rPr>
-              <a:t>Blog on project-oriented workflows</a:t>
-            </a:r>
-            <a:endParaRPr lang="en-NZ" dirty="0"/>
-          </a:p>
-          <a:p>
-            <a:r>
-              <a:rPr lang="en-NZ" dirty="0"/>
-              <a:t>ChatGPT </a:t>
-            </a:r>
-            <a:r>
-              <a:rPr lang="en-NZ"/>
-              <a:t>and Google</a:t>
-            </a:r>
-            <a:endParaRPr lang="en-NZ" dirty="0"/>
-          </a:p>
-          <a:p>
-            <a:pPr lvl="1"/>
-            <a:r>
-              <a:rPr lang="en-NZ" dirty="0">
-                <a:hlinkClick r:id="rId4"/>
-              </a:rPr>
-              <a:t>Article on suggestions for how to best utilize ChatGPT</a:t>
-            </a:r>
-            <a:endParaRPr lang="en-NZ" dirty="0"/>
-          </a:p>
-          <a:p>
-            <a:pPr lvl="2"/>
-            <a:r>
-              <a:rPr lang="en-NZ" dirty="0"/>
-              <a:t>When first starting out, if you wouldn’t be able to explain what the code is doing, try not to use it—or ask someone to help you understand</a:t>
-            </a:r>
-          </a:p>
-          <a:p>
-            <a:pPr lvl="3"/>
-            <a:r>
-              <a:rPr lang="en-NZ" dirty="0"/>
-              <a:t>ChatGPT will give you functions, for loops, etc. These are more advanced techniques that you will need to write yourself some day</a:t>
-            </a:r>
-          </a:p>
-          <a:p>
-            <a:r>
-              <a:rPr lang="en-NZ" dirty="0"/>
-              <a:t>Each other!</a:t>
-            </a:r>
-          </a:p>
-          <a:p>
-            <a:pPr lvl="3"/>
-            <a:endParaRPr lang="en-NZ" dirty="0"/>
-          </a:p>
-        </p:txBody>
-      </p:sp>
-    </p:spTree>
-    <p:extLst>
-      <p:ext uri="{BB962C8B-B14F-4D97-AF65-F5344CB8AC3E}">
-        <p14:creationId xmlns:p14="http://schemas.microsoft.com/office/powerpoint/2010/main" val="776326194"/>
-      </p:ext>
-    </p:extLst>
-  </p:cSld>
-  <p:clrMapOvr>
-    <a:masterClrMapping/>
-  </p:clrMapOvr>
-</p:sld>
-</file>
-
-<file path=ppt/slides/slide24.xml><?xml version="1.0" encoding="utf-8"?>
+<file path=ppt/slides/slide25.xml><?xml version="1.0" encoding="utf-8"?>
 <p:sld xmlns:a="http://schemas.openxmlformats.org/drawingml/2006/main" xmlns:r="http://schemas.openxmlformats.org/officeDocument/2006/relationships" xmlns:p="http://schemas.openxmlformats.org/presentationml/2006/main">
   <p:cSld>
     <p:spTree>
